--- a/study/SmartPools booklet.pptx
+++ b/study/SmartPools booklet.pptx
@@ -109,6 +109,22 @@
       </a:defRPr>
     </a:lvl9pPr>
   </p:defaultTextStyle>
+  <p:extLst>
+    <p:ext uri="{EFAFB233-063F-42B5-8137-9DF3F51BA10A}">
+      <p15:sldGuideLst xmlns:p15="http://schemas.microsoft.com/office/powerpoint/2012/main">
+        <p15:guide id="1" orient="horz" pos="2160">
+          <p15:clr>
+            <a:srgbClr val="A4A3A4"/>
+          </p15:clr>
+        </p15:guide>
+        <p15:guide id="2" pos="2880">
+          <p15:clr>
+            <a:srgbClr val="A4A3A4"/>
+          </p15:clr>
+        </p15:guide>
+      </p15:sldGuideLst>
+    </p:ext>
+  </p:extLst>
 </p:presentation>
 </file>
 
@@ -294,7 +310,7 @@
             <a:fld id="{1D8BD707-D9CF-40AE-B4C6-C98DA3205C09}" type="datetimeFigureOut">
               <a:rPr lang="en-US" smtClean="0"/>
               <a:pPr/>
-              <a:t>7/27/2017</a:t>
+              <a:t>8/18/2017</a:t>
             </a:fld>
             <a:endParaRPr lang="en-US"/>
           </a:p>
@@ -461,7 +477,7 @@
             <a:fld id="{1D8BD707-D9CF-40AE-B4C6-C98DA3205C09}" type="datetimeFigureOut">
               <a:rPr lang="en-US" smtClean="0"/>
               <a:pPr/>
-              <a:t>7/27/2017</a:t>
+              <a:t>8/18/2017</a:t>
             </a:fld>
             <a:endParaRPr lang="en-US"/>
           </a:p>
@@ -638,7 +654,7 @@
             <a:fld id="{1D8BD707-D9CF-40AE-B4C6-C98DA3205C09}" type="datetimeFigureOut">
               <a:rPr lang="en-US" smtClean="0"/>
               <a:pPr/>
-              <a:t>7/27/2017</a:t>
+              <a:t>8/18/2017</a:t>
             </a:fld>
             <a:endParaRPr lang="en-US"/>
           </a:p>
@@ -805,7 +821,7 @@
             <a:fld id="{1D8BD707-D9CF-40AE-B4C6-C98DA3205C09}" type="datetimeFigureOut">
               <a:rPr lang="en-US" smtClean="0"/>
               <a:pPr/>
-              <a:t>7/27/2017</a:t>
+              <a:t>8/18/2017</a:t>
             </a:fld>
             <a:endParaRPr lang="en-US"/>
           </a:p>
@@ -1048,7 +1064,7 @@
             <a:fld id="{1D8BD707-D9CF-40AE-B4C6-C98DA3205C09}" type="datetimeFigureOut">
               <a:rPr lang="en-US" smtClean="0"/>
               <a:pPr/>
-              <a:t>7/27/2017</a:t>
+              <a:t>8/18/2017</a:t>
             </a:fld>
             <a:endParaRPr lang="en-US"/>
           </a:p>
@@ -1333,7 +1349,7 @@
             <a:fld id="{1D8BD707-D9CF-40AE-B4C6-C98DA3205C09}" type="datetimeFigureOut">
               <a:rPr lang="en-US" smtClean="0"/>
               <a:pPr/>
-              <a:t>7/27/2017</a:t>
+              <a:t>8/18/2017</a:t>
             </a:fld>
             <a:endParaRPr lang="en-US"/>
           </a:p>
@@ -1752,7 +1768,7 @@
             <a:fld id="{1D8BD707-D9CF-40AE-B4C6-C98DA3205C09}" type="datetimeFigureOut">
               <a:rPr lang="en-US" smtClean="0"/>
               <a:pPr/>
-              <a:t>7/27/2017</a:t>
+              <a:t>8/18/2017</a:t>
             </a:fld>
             <a:endParaRPr lang="en-US"/>
           </a:p>
@@ -1867,7 +1883,7 @@
             <a:fld id="{1D8BD707-D9CF-40AE-B4C6-C98DA3205C09}" type="datetimeFigureOut">
               <a:rPr lang="en-US" smtClean="0"/>
               <a:pPr/>
-              <a:t>7/27/2017</a:t>
+              <a:t>8/18/2017</a:t>
             </a:fld>
             <a:endParaRPr lang="en-US"/>
           </a:p>
@@ -1959,7 +1975,7 @@
             <a:fld id="{1D8BD707-D9CF-40AE-B4C6-C98DA3205C09}" type="datetimeFigureOut">
               <a:rPr lang="en-US" smtClean="0"/>
               <a:pPr/>
-              <a:t>7/27/2017</a:t>
+              <a:t>8/18/2017</a:t>
             </a:fld>
             <a:endParaRPr lang="en-US"/>
           </a:p>
@@ -2233,7 +2249,7 @@
             <a:fld id="{1D8BD707-D9CF-40AE-B4C6-C98DA3205C09}" type="datetimeFigureOut">
               <a:rPr lang="en-US" smtClean="0"/>
               <a:pPr/>
-              <a:t>7/27/2017</a:t>
+              <a:t>8/18/2017</a:t>
             </a:fld>
             <a:endParaRPr lang="en-US"/>
           </a:p>
@@ -2483,7 +2499,7 @@
             <a:fld id="{1D8BD707-D9CF-40AE-B4C6-C98DA3205C09}" type="datetimeFigureOut">
               <a:rPr lang="en-US" smtClean="0"/>
               <a:pPr/>
-              <a:t>7/27/2017</a:t>
+              <a:t>8/18/2017</a:t>
             </a:fld>
             <a:endParaRPr lang="en-US"/>
           </a:p>
@@ -2693,7 +2709,7 @@
             <a:fld id="{1D8BD707-D9CF-40AE-B4C6-C98DA3205C09}" type="datetimeFigureOut">
               <a:rPr lang="en-US" smtClean="0"/>
               <a:pPr/>
-              <a:t>7/27/2017</a:t>
+              <a:t>8/18/2017</a:t>
             </a:fld>
             <a:endParaRPr lang="en-US"/>
           </a:p>
@@ -3076,7 +3092,7 @@
           <a:blip r:embed="rId2" cstate="print">
             <a:extLst>
               <a:ext uri="{28A0092B-C50C-407E-A947-70E740481C1C}">
-                <a14:useLocalDpi xmlns:a14="http://schemas.microsoft.com/office/drawing/2010/main" xmlns="" val="0"/>
+                <a14:useLocalDpi xmlns:a14="http://schemas.microsoft.com/office/drawing/2010/main" val="0"/>
               </a:ext>
             </a:extLst>
           </a:blip>
@@ -3106,7 +3122,7 @@
           <a:blip r:embed="rId3" cstate="print">
             <a:extLst>
               <a:ext uri="{28A0092B-C50C-407E-A947-70E740481C1C}">
-                <a14:useLocalDpi xmlns:a14="http://schemas.microsoft.com/office/drawing/2010/main" xmlns="" val="0"/>
+                <a14:useLocalDpi xmlns:a14="http://schemas.microsoft.com/office/drawing/2010/main" val="0"/>
               </a:ext>
             </a:extLst>
           </a:blip>
@@ -3184,14 +3200,14 @@
           </a:ln>
           <a:extLst>
             <a:ext uri="{909E8E84-426E-40DD-AFC4-6F175D3DCCD1}">
-              <a14:hiddenFill xmlns:a14="http://schemas.microsoft.com/office/drawing/2010/main" xmlns="">
+              <a14:hiddenFill xmlns:a14="http://schemas.microsoft.com/office/drawing/2010/main">
                 <a:solidFill>
                   <a:srgbClr val="FFFFFF"/>
                 </a:solidFill>
               </a14:hiddenFill>
             </a:ext>
             <a:ext uri="{91240B29-F687-4F45-9708-019B960494DF}">
-              <a14:hiddenLine xmlns:a14="http://schemas.microsoft.com/office/drawing/2010/main" xmlns="" w="9525">
+              <a14:hiddenLine xmlns:a14="http://schemas.microsoft.com/office/drawing/2010/main" w="9525">
                 <a:solidFill>
                   <a:srgbClr val="000000"/>
                 </a:solidFill>
@@ -3552,14 +3568,14 @@
           </a:ln>
           <a:extLst>
             <a:ext uri="{909E8E84-426E-40DD-AFC4-6F175D3DCCD1}">
-              <a14:hiddenFill xmlns:a14="http://schemas.microsoft.com/office/drawing/2010/main" xmlns="">
+              <a14:hiddenFill xmlns:a14="http://schemas.microsoft.com/office/drawing/2010/main">
                 <a:solidFill>
                   <a:srgbClr val="FFFFFF"/>
                 </a:solidFill>
               </a14:hiddenFill>
             </a:ext>
             <a:ext uri="{91240B29-F687-4F45-9708-019B960494DF}">
-              <a14:hiddenLine xmlns:a14="http://schemas.microsoft.com/office/drawing/2010/main" xmlns="" w="9525">
+              <a14:hiddenLine xmlns:a14="http://schemas.microsoft.com/office/drawing/2010/main" w="9525">
                 <a:solidFill>
                   <a:srgbClr val="000000"/>
                 </a:solidFill>
@@ -3863,7 +3879,7 @@
     </p:spTree>
     <p:extLst>
       <p:ext uri="{BB962C8B-B14F-4D97-AF65-F5344CB8AC3E}">
-        <p14:creationId xmlns:p14="http://schemas.microsoft.com/office/powerpoint/2010/main" xmlns="" val="4086074391"/>
+        <p14:creationId xmlns:p14="http://schemas.microsoft.com/office/powerpoint/2010/main" val="4086074391"/>
       </p:ext>
     </p:extLst>
   </p:cSld>
@@ -4089,14 +4105,14 @@
           </a:ln>
           <a:extLst>
             <a:ext uri="{909E8E84-426E-40DD-AFC4-6F175D3DCCD1}">
-              <a14:hiddenFill xmlns:a14="http://schemas.microsoft.com/office/drawing/2010/main" xmlns="">
+              <a14:hiddenFill xmlns:a14="http://schemas.microsoft.com/office/drawing/2010/main">
                 <a:solidFill>
                   <a:srgbClr val="FFFFFF"/>
                 </a:solidFill>
               </a14:hiddenFill>
             </a:ext>
             <a:ext uri="{91240B29-F687-4F45-9708-019B960494DF}">
-              <a14:hiddenLine xmlns:a14="http://schemas.microsoft.com/office/drawing/2010/main" xmlns="" w="9525">
+              <a14:hiddenLine xmlns:a14="http://schemas.microsoft.com/office/drawing/2010/main" w="9525">
                 <a:solidFill>
                   <a:srgbClr val="000000"/>
                 </a:solidFill>
@@ -4415,7 +4431,7 @@
           <a:blip r:embed="rId3" cstate="print">
             <a:extLst>
               <a:ext uri="{28A0092B-C50C-407E-A947-70E740481C1C}">
-                <a14:useLocalDpi xmlns:a14="http://schemas.microsoft.com/office/drawing/2010/main" xmlns="" val="0"/>
+                <a14:useLocalDpi xmlns:a14="http://schemas.microsoft.com/office/drawing/2010/main" val="0"/>
               </a:ext>
             </a:extLst>
           </a:blip>
@@ -4436,7 +4452,7 @@
     </p:spTree>
     <p:extLst>
       <p:ext uri="{BB962C8B-B14F-4D97-AF65-F5344CB8AC3E}">
-        <p14:creationId xmlns:p14="http://schemas.microsoft.com/office/powerpoint/2010/main" xmlns="" val="3935884814"/>
+        <p14:creationId xmlns:p14="http://schemas.microsoft.com/office/powerpoint/2010/main" val="3935884814"/>
       </p:ext>
     </p:extLst>
   </p:cSld>
@@ -4489,7 +4505,7 @@
           <a:blip r:embed="rId3" cstate="print">
             <a:extLst>
               <a:ext uri="{28A0092B-C50C-407E-A947-70E740481C1C}">
-                <a14:useLocalDpi xmlns:a14="http://schemas.microsoft.com/office/drawing/2010/main" xmlns="" val="0"/>
+                <a14:useLocalDpi xmlns:a14="http://schemas.microsoft.com/office/drawing/2010/main" val="0"/>
               </a:ext>
             </a:extLst>
           </a:blip>
@@ -4529,14 +4545,14 @@
           </a:ln>
           <a:extLst>
             <a:ext uri="{909E8E84-426E-40DD-AFC4-6F175D3DCCD1}">
-              <a14:hiddenFill xmlns:a14="http://schemas.microsoft.com/office/drawing/2010/main" xmlns="">
+              <a14:hiddenFill xmlns:a14="http://schemas.microsoft.com/office/drawing/2010/main">
                 <a:solidFill>
                   <a:srgbClr val="FFFFFF"/>
                 </a:solidFill>
               </a14:hiddenFill>
             </a:ext>
             <a:ext uri="{91240B29-F687-4F45-9708-019B960494DF}">
-              <a14:hiddenLine xmlns:a14="http://schemas.microsoft.com/office/drawing/2010/main" xmlns="" w="9525">
+              <a14:hiddenLine xmlns:a14="http://schemas.microsoft.com/office/drawing/2010/main" w="9525">
                 <a:solidFill>
                   <a:srgbClr val="000000"/>
                 </a:solidFill>
@@ -4855,7 +4871,7 @@
           <a:blip r:embed="rId4" cstate="print">
             <a:extLst>
               <a:ext uri="{28A0092B-C50C-407E-A947-70E740481C1C}">
-                <a14:useLocalDpi xmlns:a14="http://schemas.microsoft.com/office/drawing/2010/main" xmlns="" val="0"/>
+                <a14:useLocalDpi xmlns:a14="http://schemas.microsoft.com/office/drawing/2010/main" val="0"/>
               </a:ext>
             </a:extLst>
           </a:blip>
@@ -4878,14 +4894,14 @@
           </a:ln>
           <a:extLst>
             <a:ext uri="{909E8E84-426E-40DD-AFC4-6F175D3DCCD1}">
-              <a14:hiddenFill xmlns:a14="http://schemas.microsoft.com/office/drawing/2010/main" xmlns="">
+              <a14:hiddenFill xmlns:a14="http://schemas.microsoft.com/office/drawing/2010/main">
                 <a:solidFill>
                   <a:srgbClr val="FFFFFF"/>
                 </a:solidFill>
               </a14:hiddenFill>
             </a:ext>
             <a:ext uri="{91240B29-F687-4F45-9708-019B960494DF}">
-              <a14:hiddenLine xmlns:a14="http://schemas.microsoft.com/office/drawing/2010/main" xmlns="" w="9525">
+              <a14:hiddenLine xmlns:a14="http://schemas.microsoft.com/office/drawing/2010/main" w="9525">
                 <a:solidFill>
                   <a:srgbClr val="000000"/>
                 </a:solidFill>
@@ -4909,7 +4925,7 @@
           <a:blip r:embed="rId5" cstate="print">
             <a:extLst>
               <a:ext uri="{28A0092B-C50C-407E-A947-70E740481C1C}">
-                <a14:useLocalDpi xmlns:a14="http://schemas.microsoft.com/office/drawing/2010/main" xmlns="" val="0"/>
+                <a14:useLocalDpi xmlns:a14="http://schemas.microsoft.com/office/drawing/2010/main" val="0"/>
               </a:ext>
             </a:extLst>
           </a:blip>
@@ -4932,14 +4948,14 @@
           </a:ln>
           <a:extLst>
             <a:ext uri="{909E8E84-426E-40DD-AFC4-6F175D3DCCD1}">
-              <a14:hiddenFill xmlns:a14="http://schemas.microsoft.com/office/drawing/2010/main" xmlns="">
+              <a14:hiddenFill xmlns:a14="http://schemas.microsoft.com/office/drawing/2010/main">
                 <a:solidFill>
                   <a:srgbClr val="FFFFFF"/>
                 </a:solidFill>
               </a14:hiddenFill>
             </a:ext>
             <a:ext uri="{91240B29-F687-4F45-9708-019B960494DF}">
-              <a14:hiddenLine xmlns:a14="http://schemas.microsoft.com/office/drawing/2010/main" xmlns="" w="9525">
+              <a14:hiddenLine xmlns:a14="http://schemas.microsoft.com/office/drawing/2010/main" w="9525">
                 <a:solidFill>
                   <a:srgbClr val="000000"/>
                 </a:solidFill>
@@ -4963,7 +4979,7 @@
           <a:blip r:embed="rId6" cstate="print">
             <a:extLst>
               <a:ext uri="{28A0092B-C50C-407E-A947-70E740481C1C}">
-                <a14:useLocalDpi xmlns:a14="http://schemas.microsoft.com/office/drawing/2010/main" xmlns="" val="0"/>
+                <a14:useLocalDpi xmlns:a14="http://schemas.microsoft.com/office/drawing/2010/main" val="0"/>
               </a:ext>
             </a:extLst>
           </a:blip>
@@ -4986,14 +5002,14 @@
           </a:ln>
           <a:extLst>
             <a:ext uri="{909E8E84-426E-40DD-AFC4-6F175D3DCCD1}">
-              <a14:hiddenFill xmlns:a14="http://schemas.microsoft.com/office/drawing/2010/main" xmlns="">
+              <a14:hiddenFill xmlns:a14="http://schemas.microsoft.com/office/drawing/2010/main">
                 <a:solidFill>
                   <a:srgbClr val="FFFFFF"/>
                 </a:solidFill>
               </a14:hiddenFill>
             </a:ext>
             <a:ext uri="{91240B29-F687-4F45-9708-019B960494DF}">
-              <a14:hiddenLine xmlns:a14="http://schemas.microsoft.com/office/drawing/2010/main" xmlns="" w="9525">
+              <a14:hiddenLine xmlns:a14="http://schemas.microsoft.com/office/drawing/2010/main" w="9525">
                 <a:solidFill>
                   <a:srgbClr val="000000"/>
                 </a:solidFill>
@@ -5017,7 +5033,7 @@
           <a:blip r:embed="rId7" cstate="print">
             <a:extLst>
               <a:ext uri="{28A0092B-C50C-407E-A947-70E740481C1C}">
-                <a14:useLocalDpi xmlns:a14="http://schemas.microsoft.com/office/drawing/2010/main" xmlns="" val="0"/>
+                <a14:useLocalDpi xmlns:a14="http://schemas.microsoft.com/office/drawing/2010/main" val="0"/>
               </a:ext>
             </a:extLst>
           </a:blip>
@@ -5040,14 +5056,14 @@
           </a:ln>
           <a:extLst>
             <a:ext uri="{909E8E84-426E-40DD-AFC4-6F175D3DCCD1}">
-              <a14:hiddenFill xmlns:a14="http://schemas.microsoft.com/office/drawing/2010/main" xmlns="">
+              <a14:hiddenFill xmlns:a14="http://schemas.microsoft.com/office/drawing/2010/main">
                 <a:solidFill>
                   <a:srgbClr val="FFFFFF"/>
                 </a:solidFill>
               </a14:hiddenFill>
             </a:ext>
             <a:ext uri="{91240B29-F687-4F45-9708-019B960494DF}">
-              <a14:hiddenLine xmlns:a14="http://schemas.microsoft.com/office/drawing/2010/main" xmlns="" w="9525">
+              <a14:hiddenLine xmlns:a14="http://schemas.microsoft.com/office/drawing/2010/main" w="9525">
                 <a:solidFill>
                   <a:srgbClr val="000000"/>
                 </a:solidFill>
@@ -5071,7 +5087,7 @@
           <a:blip r:embed="rId8" cstate="print">
             <a:extLst>
               <a:ext uri="{28A0092B-C50C-407E-A947-70E740481C1C}">
-                <a14:useLocalDpi xmlns:a14="http://schemas.microsoft.com/office/drawing/2010/main" xmlns="" val="0"/>
+                <a14:useLocalDpi xmlns:a14="http://schemas.microsoft.com/office/drawing/2010/main" val="0"/>
               </a:ext>
             </a:extLst>
           </a:blip>
@@ -5094,14 +5110,14 @@
           </a:ln>
           <a:extLst>
             <a:ext uri="{909E8E84-426E-40DD-AFC4-6F175D3DCCD1}">
-              <a14:hiddenFill xmlns:a14="http://schemas.microsoft.com/office/drawing/2010/main" xmlns="">
+              <a14:hiddenFill xmlns:a14="http://schemas.microsoft.com/office/drawing/2010/main">
                 <a:solidFill>
                   <a:srgbClr val="FFFFFF"/>
                 </a:solidFill>
               </a14:hiddenFill>
             </a:ext>
             <a:ext uri="{91240B29-F687-4F45-9708-019B960494DF}">
-              <a14:hiddenLine xmlns:a14="http://schemas.microsoft.com/office/drawing/2010/main" xmlns="" w="9525">
+              <a14:hiddenLine xmlns:a14="http://schemas.microsoft.com/office/drawing/2010/main" w="9525">
                 <a:solidFill>
                   <a:srgbClr val="000000"/>
                 </a:solidFill>
@@ -5125,7 +5141,7 @@
           <a:blip r:embed="rId9" cstate="print">
             <a:extLst>
               <a:ext uri="{28A0092B-C50C-407E-A947-70E740481C1C}">
-                <a14:useLocalDpi xmlns:a14="http://schemas.microsoft.com/office/drawing/2010/main" xmlns="" val="0"/>
+                <a14:useLocalDpi xmlns:a14="http://schemas.microsoft.com/office/drawing/2010/main" val="0"/>
               </a:ext>
             </a:extLst>
           </a:blip>
@@ -5148,14 +5164,14 @@
           </a:ln>
           <a:extLst>
             <a:ext uri="{909E8E84-426E-40DD-AFC4-6F175D3DCCD1}">
-              <a14:hiddenFill xmlns:a14="http://schemas.microsoft.com/office/drawing/2010/main" xmlns="">
+              <a14:hiddenFill xmlns:a14="http://schemas.microsoft.com/office/drawing/2010/main">
                 <a:solidFill>
                   <a:srgbClr val="FFFFFF"/>
                 </a:solidFill>
               </a14:hiddenFill>
             </a:ext>
             <a:ext uri="{91240B29-F687-4F45-9708-019B960494DF}">
-              <a14:hiddenLine xmlns:a14="http://schemas.microsoft.com/office/drawing/2010/main" xmlns="" w="9525">
+              <a14:hiddenLine xmlns:a14="http://schemas.microsoft.com/office/drawing/2010/main" w="9525">
                 <a:solidFill>
                   <a:srgbClr val="000000"/>
                 </a:solidFill>
@@ -5179,7 +5195,7 @@
           <a:blip r:embed="rId10" cstate="print">
             <a:extLst>
               <a:ext uri="{28A0092B-C50C-407E-A947-70E740481C1C}">
-                <a14:useLocalDpi xmlns:a14="http://schemas.microsoft.com/office/drawing/2010/main" xmlns="" val="0"/>
+                <a14:useLocalDpi xmlns:a14="http://schemas.microsoft.com/office/drawing/2010/main" val="0"/>
               </a:ext>
             </a:extLst>
           </a:blip>
@@ -5202,14 +5218,14 @@
           </a:ln>
           <a:extLst>
             <a:ext uri="{909E8E84-426E-40DD-AFC4-6F175D3DCCD1}">
-              <a14:hiddenFill xmlns:a14="http://schemas.microsoft.com/office/drawing/2010/main" xmlns="">
+              <a14:hiddenFill xmlns:a14="http://schemas.microsoft.com/office/drawing/2010/main">
                 <a:solidFill>
                   <a:srgbClr val="FFFFFF"/>
                 </a:solidFill>
               </a14:hiddenFill>
             </a:ext>
             <a:ext uri="{91240B29-F687-4F45-9708-019B960494DF}">
-              <a14:hiddenLine xmlns:a14="http://schemas.microsoft.com/office/drawing/2010/main" xmlns="" w="9525">
+              <a14:hiddenLine xmlns:a14="http://schemas.microsoft.com/office/drawing/2010/main" w="9525">
                 <a:solidFill>
                   <a:srgbClr val="000000"/>
                 </a:solidFill>
@@ -5233,7 +5249,7 @@
           <a:blip r:embed="rId11" cstate="print">
             <a:extLst>
               <a:ext uri="{28A0092B-C50C-407E-A947-70E740481C1C}">
-                <a14:useLocalDpi xmlns:a14="http://schemas.microsoft.com/office/drawing/2010/main" xmlns="" val="0"/>
+                <a14:useLocalDpi xmlns:a14="http://schemas.microsoft.com/office/drawing/2010/main" val="0"/>
               </a:ext>
             </a:extLst>
           </a:blip>
@@ -5256,14 +5272,14 @@
           </a:ln>
           <a:extLst>
             <a:ext uri="{909E8E84-426E-40DD-AFC4-6F175D3DCCD1}">
-              <a14:hiddenFill xmlns:a14="http://schemas.microsoft.com/office/drawing/2010/main" xmlns="">
+              <a14:hiddenFill xmlns:a14="http://schemas.microsoft.com/office/drawing/2010/main">
                 <a:solidFill>
                   <a:srgbClr val="FFFFFF"/>
                 </a:solidFill>
               </a14:hiddenFill>
             </a:ext>
             <a:ext uri="{91240B29-F687-4F45-9708-019B960494DF}">
-              <a14:hiddenLine xmlns:a14="http://schemas.microsoft.com/office/drawing/2010/main" xmlns="" w="9525">
+              <a14:hiddenLine xmlns:a14="http://schemas.microsoft.com/office/drawing/2010/main" w="9525">
                 <a:solidFill>
                   <a:srgbClr val="000000"/>
                 </a:solidFill>
@@ -5287,7 +5303,7 @@
           <a:blip r:embed="rId12" cstate="print">
             <a:extLst>
               <a:ext uri="{28A0092B-C50C-407E-A947-70E740481C1C}">
-                <a14:useLocalDpi xmlns:a14="http://schemas.microsoft.com/office/drawing/2010/main" xmlns="" val="0"/>
+                <a14:useLocalDpi xmlns:a14="http://schemas.microsoft.com/office/drawing/2010/main" val="0"/>
               </a:ext>
             </a:extLst>
           </a:blip>
@@ -5310,14 +5326,14 @@
           </a:ln>
           <a:extLst>
             <a:ext uri="{909E8E84-426E-40DD-AFC4-6F175D3DCCD1}">
-              <a14:hiddenFill xmlns:a14="http://schemas.microsoft.com/office/drawing/2010/main" xmlns="">
+              <a14:hiddenFill xmlns:a14="http://schemas.microsoft.com/office/drawing/2010/main">
                 <a:solidFill>
                   <a:srgbClr val="FFFFFF"/>
                 </a:solidFill>
               </a14:hiddenFill>
             </a:ext>
             <a:ext uri="{91240B29-F687-4F45-9708-019B960494DF}">
-              <a14:hiddenLine xmlns:a14="http://schemas.microsoft.com/office/drawing/2010/main" xmlns="" w="9525">
+              <a14:hiddenLine xmlns:a14="http://schemas.microsoft.com/office/drawing/2010/main" w="9525">
                 <a:solidFill>
                   <a:srgbClr val="000000"/>
                 </a:solidFill>
@@ -5341,7 +5357,7 @@
           <a:blip r:embed="rId13" cstate="print">
             <a:extLst>
               <a:ext uri="{28A0092B-C50C-407E-A947-70E740481C1C}">
-                <a14:useLocalDpi xmlns:a14="http://schemas.microsoft.com/office/drawing/2010/main" xmlns="" val="0"/>
+                <a14:useLocalDpi xmlns:a14="http://schemas.microsoft.com/office/drawing/2010/main" val="0"/>
               </a:ext>
             </a:extLst>
           </a:blip>
@@ -5364,14 +5380,14 @@
           </a:ln>
           <a:extLst>
             <a:ext uri="{909E8E84-426E-40DD-AFC4-6F175D3DCCD1}">
-              <a14:hiddenFill xmlns:a14="http://schemas.microsoft.com/office/drawing/2010/main" xmlns="">
+              <a14:hiddenFill xmlns:a14="http://schemas.microsoft.com/office/drawing/2010/main">
                 <a:solidFill>
                   <a:srgbClr val="FFFFFF"/>
                 </a:solidFill>
               </a14:hiddenFill>
             </a:ext>
             <a:ext uri="{91240B29-F687-4F45-9708-019B960494DF}">
-              <a14:hiddenLine xmlns:a14="http://schemas.microsoft.com/office/drawing/2010/main" xmlns="" w="9525">
+              <a14:hiddenLine xmlns:a14="http://schemas.microsoft.com/office/drawing/2010/main" w="9525">
                 <a:solidFill>
                   <a:srgbClr val="000000"/>
                 </a:solidFill>
@@ -5395,7 +5411,7 @@
           <a:blip r:embed="rId14" cstate="print">
             <a:extLst>
               <a:ext uri="{28A0092B-C50C-407E-A947-70E740481C1C}">
-                <a14:useLocalDpi xmlns:a14="http://schemas.microsoft.com/office/drawing/2010/main" xmlns="" val="0"/>
+                <a14:useLocalDpi xmlns:a14="http://schemas.microsoft.com/office/drawing/2010/main" val="0"/>
               </a:ext>
             </a:extLst>
           </a:blip>
@@ -5418,14 +5434,14 @@
           </a:ln>
           <a:extLst>
             <a:ext uri="{909E8E84-426E-40DD-AFC4-6F175D3DCCD1}">
-              <a14:hiddenFill xmlns:a14="http://schemas.microsoft.com/office/drawing/2010/main" xmlns="">
+              <a14:hiddenFill xmlns:a14="http://schemas.microsoft.com/office/drawing/2010/main">
                 <a:solidFill>
                   <a:srgbClr val="FFFFFF"/>
                 </a:solidFill>
               </a14:hiddenFill>
             </a:ext>
             <a:ext uri="{91240B29-F687-4F45-9708-019B960494DF}">
-              <a14:hiddenLine xmlns:a14="http://schemas.microsoft.com/office/drawing/2010/main" xmlns="" w="9525">
+              <a14:hiddenLine xmlns:a14="http://schemas.microsoft.com/office/drawing/2010/main" w="9525">
                 <a:solidFill>
                   <a:srgbClr val="000000"/>
                 </a:solidFill>
@@ -6725,7 +6741,7 @@
     </p:spTree>
     <p:extLst>
       <p:ext uri="{BB962C8B-B14F-4D97-AF65-F5344CB8AC3E}">
-        <p14:creationId xmlns:p14="http://schemas.microsoft.com/office/powerpoint/2010/main" xmlns="" val="2649050109"/>
+        <p14:creationId xmlns:p14="http://schemas.microsoft.com/office/powerpoint/2010/main" val="2649050109"/>
       </p:ext>
     </p:extLst>
   </p:cSld>
@@ -6778,7 +6794,7 @@
           <a:blip r:embed="rId3" cstate="print">
             <a:extLst>
               <a:ext uri="{28A0092B-C50C-407E-A947-70E740481C1C}">
-                <a14:useLocalDpi xmlns:a14="http://schemas.microsoft.com/office/drawing/2010/main" xmlns="" val="0"/>
+                <a14:useLocalDpi xmlns:a14="http://schemas.microsoft.com/office/drawing/2010/main" val="0"/>
               </a:ext>
             </a:extLst>
           </a:blip>
@@ -6818,14 +6834,14 @@
           </a:ln>
           <a:extLst>
             <a:ext uri="{909E8E84-426E-40DD-AFC4-6F175D3DCCD1}">
-              <a14:hiddenFill xmlns:a14="http://schemas.microsoft.com/office/drawing/2010/main" xmlns="">
+              <a14:hiddenFill xmlns:a14="http://schemas.microsoft.com/office/drawing/2010/main">
                 <a:solidFill>
                   <a:srgbClr val="FFFFFF"/>
                 </a:solidFill>
               </a14:hiddenFill>
             </a:ext>
             <a:ext uri="{91240B29-F687-4F45-9708-019B960494DF}">
-              <a14:hiddenLine xmlns:a14="http://schemas.microsoft.com/office/drawing/2010/main" xmlns="" w="9525">
+              <a14:hiddenLine xmlns:a14="http://schemas.microsoft.com/office/drawing/2010/main" w="9525">
                 <a:solidFill>
                   <a:srgbClr val="000000"/>
                 </a:solidFill>
@@ -7223,7 +7239,7 @@
     </p:spTree>
     <p:extLst>
       <p:ext uri="{BB962C8B-B14F-4D97-AF65-F5344CB8AC3E}">
-        <p14:creationId xmlns:p14="http://schemas.microsoft.com/office/powerpoint/2010/main" xmlns="" val="949993612"/>
+        <p14:creationId xmlns:p14="http://schemas.microsoft.com/office/powerpoint/2010/main" val="949993612"/>
       </p:ext>
     </p:extLst>
   </p:cSld>
@@ -7286,14 +7302,14 @@
           </a:ln>
           <a:extLst>
             <a:ext uri="{909E8E84-426E-40DD-AFC4-6F175D3DCCD1}">
-              <a14:hiddenFill xmlns:a14="http://schemas.microsoft.com/office/drawing/2010/main" xmlns="">
+              <a14:hiddenFill xmlns:a14="http://schemas.microsoft.com/office/drawing/2010/main">
                 <a:solidFill>
                   <a:srgbClr val="FFFFFF"/>
                 </a:solidFill>
               </a14:hiddenFill>
             </a:ext>
             <a:ext uri="{91240B29-F687-4F45-9708-019B960494DF}">
-              <a14:hiddenLine xmlns:a14="http://schemas.microsoft.com/office/drawing/2010/main" xmlns="" w="9525">
+              <a14:hiddenLine xmlns:a14="http://schemas.microsoft.com/office/drawing/2010/main" w="9525">
                 <a:solidFill>
                   <a:srgbClr val="000000"/>
                 </a:solidFill>
@@ -7749,14 +7765,14 @@
           </a:ln>
           <a:extLst>
             <a:ext uri="{909E8E84-426E-40DD-AFC4-6F175D3DCCD1}">
-              <a14:hiddenFill xmlns:a14="http://schemas.microsoft.com/office/drawing/2010/main" xmlns="">
+              <a14:hiddenFill xmlns:a14="http://schemas.microsoft.com/office/drawing/2010/main">
                 <a:solidFill>
                   <a:srgbClr val="FFFFFF"/>
                 </a:solidFill>
               </a14:hiddenFill>
             </a:ext>
             <a:ext uri="{91240B29-F687-4F45-9708-019B960494DF}">
-              <a14:hiddenLine xmlns:a14="http://schemas.microsoft.com/office/drawing/2010/main" xmlns="" w="9525">
+              <a14:hiddenLine xmlns:a14="http://schemas.microsoft.com/office/drawing/2010/main" w="9525">
                 <a:solidFill>
                   <a:srgbClr val="000000"/>
                 </a:solidFill>
@@ -8168,7 +8184,7 @@
           <a:blip r:embed="rId3" cstate="print">
             <a:extLst>
               <a:ext uri="{28A0092B-C50C-407E-A947-70E740481C1C}">
-                <a14:useLocalDpi xmlns:a14="http://schemas.microsoft.com/office/drawing/2010/main" xmlns="" val="0"/>
+                <a14:useLocalDpi xmlns:a14="http://schemas.microsoft.com/office/drawing/2010/main" val="0"/>
               </a:ext>
             </a:extLst>
           </a:blip>
@@ -8189,7 +8205,7 @@
     </p:spTree>
     <p:extLst>
       <p:ext uri="{BB962C8B-B14F-4D97-AF65-F5344CB8AC3E}">
-        <p14:creationId xmlns:p14="http://schemas.microsoft.com/office/powerpoint/2010/main" xmlns="" val="2957025416"/>
+        <p14:creationId xmlns:p14="http://schemas.microsoft.com/office/powerpoint/2010/main" val="2957025416"/>
       </p:ext>
     </p:extLst>
   </p:cSld>
@@ -8228,7 +8244,7 @@
           <a:blip r:embed="rId2" cstate="print">
             <a:extLst>
               <a:ext uri="{28A0092B-C50C-407E-A947-70E740481C1C}">
-                <a14:useLocalDpi xmlns:a14="http://schemas.microsoft.com/office/drawing/2010/main" xmlns="" val="0"/>
+                <a14:useLocalDpi xmlns:a14="http://schemas.microsoft.com/office/drawing/2010/main" val="0"/>
               </a:ext>
             </a:extLst>
           </a:blip>
@@ -8251,14 +8267,14 @@
           </a:ln>
           <a:extLst>
             <a:ext uri="{909E8E84-426E-40DD-AFC4-6F175D3DCCD1}">
-              <a14:hiddenFill xmlns:a14="http://schemas.microsoft.com/office/drawing/2010/main" xmlns="">
+              <a14:hiddenFill xmlns:a14="http://schemas.microsoft.com/office/drawing/2010/main">
                 <a:solidFill>
                   <a:srgbClr val="FFFFFF"/>
                 </a:solidFill>
               </a14:hiddenFill>
             </a:ext>
             <a:ext uri="{91240B29-F687-4F45-9708-019B960494DF}">
-              <a14:hiddenLine xmlns:a14="http://schemas.microsoft.com/office/drawing/2010/main" xmlns="" w="9525">
+              <a14:hiddenLine xmlns:a14="http://schemas.microsoft.com/office/drawing/2010/main" w="9525">
                 <a:solidFill>
                   <a:srgbClr val="000000"/>
                 </a:solidFill>
@@ -8282,7 +8298,7 @@
           <a:blip r:embed="rId3" cstate="print">
             <a:extLst>
               <a:ext uri="{28A0092B-C50C-407E-A947-70E740481C1C}">
-                <a14:useLocalDpi xmlns:a14="http://schemas.microsoft.com/office/drawing/2010/main" xmlns="" val="0"/>
+                <a14:useLocalDpi xmlns:a14="http://schemas.microsoft.com/office/drawing/2010/main" val="0"/>
               </a:ext>
             </a:extLst>
           </a:blip>
@@ -8305,14 +8321,14 @@
           </a:ln>
           <a:extLst>
             <a:ext uri="{909E8E84-426E-40DD-AFC4-6F175D3DCCD1}">
-              <a14:hiddenFill xmlns:a14="http://schemas.microsoft.com/office/drawing/2010/main" xmlns="">
+              <a14:hiddenFill xmlns:a14="http://schemas.microsoft.com/office/drawing/2010/main">
                 <a:solidFill>
                   <a:srgbClr val="FFFFFF"/>
                 </a:solidFill>
               </a14:hiddenFill>
             </a:ext>
             <a:ext uri="{91240B29-F687-4F45-9708-019B960494DF}">
-              <a14:hiddenLine xmlns:a14="http://schemas.microsoft.com/office/drawing/2010/main" xmlns="" w="9525">
+              <a14:hiddenLine xmlns:a14="http://schemas.microsoft.com/office/drawing/2010/main" w="9525">
                 <a:solidFill>
                   <a:srgbClr val="000000"/>
                 </a:solidFill>
@@ -8336,7 +8352,7 @@
           <a:blip r:embed="rId4" cstate="print">
             <a:extLst>
               <a:ext uri="{28A0092B-C50C-407E-A947-70E740481C1C}">
-                <a14:useLocalDpi xmlns:a14="http://schemas.microsoft.com/office/drawing/2010/main" xmlns="" val="0"/>
+                <a14:useLocalDpi xmlns:a14="http://schemas.microsoft.com/office/drawing/2010/main" val="0"/>
               </a:ext>
             </a:extLst>
           </a:blip>
@@ -8359,14 +8375,14 @@
           </a:ln>
           <a:extLst>
             <a:ext uri="{909E8E84-426E-40DD-AFC4-6F175D3DCCD1}">
-              <a14:hiddenFill xmlns:a14="http://schemas.microsoft.com/office/drawing/2010/main" xmlns="">
+              <a14:hiddenFill xmlns:a14="http://schemas.microsoft.com/office/drawing/2010/main">
                 <a:solidFill>
                   <a:srgbClr val="FFFFFF"/>
                 </a:solidFill>
               </a14:hiddenFill>
             </a:ext>
             <a:ext uri="{91240B29-F687-4F45-9708-019B960494DF}">
-              <a14:hiddenLine xmlns:a14="http://schemas.microsoft.com/office/drawing/2010/main" xmlns="" w="9525">
+              <a14:hiddenLine xmlns:a14="http://schemas.microsoft.com/office/drawing/2010/main" w="9525">
                 <a:solidFill>
                   <a:srgbClr val="000000"/>
                 </a:solidFill>
@@ -8390,7 +8406,7 @@
           <a:blip r:embed="rId5" cstate="print">
             <a:extLst>
               <a:ext uri="{28A0092B-C50C-407E-A947-70E740481C1C}">
-                <a14:useLocalDpi xmlns:a14="http://schemas.microsoft.com/office/drawing/2010/main" xmlns="" val="0"/>
+                <a14:useLocalDpi xmlns:a14="http://schemas.microsoft.com/office/drawing/2010/main" val="0"/>
               </a:ext>
             </a:extLst>
           </a:blip>
@@ -8413,14 +8429,14 @@
           </a:ln>
           <a:extLst>
             <a:ext uri="{909E8E84-426E-40DD-AFC4-6F175D3DCCD1}">
-              <a14:hiddenFill xmlns:a14="http://schemas.microsoft.com/office/drawing/2010/main" xmlns="">
+              <a14:hiddenFill xmlns:a14="http://schemas.microsoft.com/office/drawing/2010/main">
                 <a:solidFill>
                   <a:srgbClr val="FFFFFF"/>
                 </a:solidFill>
               </a14:hiddenFill>
             </a:ext>
             <a:ext uri="{91240B29-F687-4F45-9708-019B960494DF}">
-              <a14:hiddenLine xmlns:a14="http://schemas.microsoft.com/office/drawing/2010/main" xmlns="" w="9525">
+              <a14:hiddenLine xmlns:a14="http://schemas.microsoft.com/office/drawing/2010/main" w="9525">
                 <a:solidFill>
                   <a:srgbClr val="000000"/>
                 </a:solidFill>
@@ -8444,7 +8460,7 @@
           <a:blip r:embed="rId6" cstate="print">
             <a:extLst>
               <a:ext uri="{28A0092B-C50C-407E-A947-70E740481C1C}">
-                <a14:useLocalDpi xmlns:a14="http://schemas.microsoft.com/office/drawing/2010/main" xmlns="" val="0"/>
+                <a14:useLocalDpi xmlns:a14="http://schemas.microsoft.com/office/drawing/2010/main" val="0"/>
               </a:ext>
             </a:extLst>
           </a:blip>
@@ -8467,14 +8483,14 @@
           </a:ln>
           <a:extLst>
             <a:ext uri="{909E8E84-426E-40DD-AFC4-6F175D3DCCD1}">
-              <a14:hiddenFill xmlns:a14="http://schemas.microsoft.com/office/drawing/2010/main" xmlns="">
+              <a14:hiddenFill xmlns:a14="http://schemas.microsoft.com/office/drawing/2010/main">
                 <a:solidFill>
                   <a:srgbClr val="FFFFFF"/>
                 </a:solidFill>
               </a14:hiddenFill>
             </a:ext>
             <a:ext uri="{91240B29-F687-4F45-9708-019B960494DF}">
-              <a14:hiddenLine xmlns:a14="http://schemas.microsoft.com/office/drawing/2010/main" xmlns="" w="9525">
+              <a14:hiddenLine xmlns:a14="http://schemas.microsoft.com/office/drawing/2010/main" w="9525">
                 <a:solidFill>
                   <a:srgbClr val="000000"/>
                 </a:solidFill>
@@ -8498,7 +8514,7 @@
           <a:blip r:embed="rId7" cstate="print">
             <a:extLst>
               <a:ext uri="{28A0092B-C50C-407E-A947-70E740481C1C}">
-                <a14:useLocalDpi xmlns:a14="http://schemas.microsoft.com/office/drawing/2010/main" xmlns="" val="0"/>
+                <a14:useLocalDpi xmlns:a14="http://schemas.microsoft.com/office/drawing/2010/main" val="0"/>
               </a:ext>
             </a:extLst>
           </a:blip>
@@ -8521,14 +8537,14 @@
           </a:ln>
           <a:extLst>
             <a:ext uri="{909E8E84-426E-40DD-AFC4-6F175D3DCCD1}">
-              <a14:hiddenFill xmlns:a14="http://schemas.microsoft.com/office/drawing/2010/main" xmlns="">
+              <a14:hiddenFill xmlns:a14="http://schemas.microsoft.com/office/drawing/2010/main">
                 <a:solidFill>
                   <a:srgbClr val="FFFFFF"/>
                 </a:solidFill>
               </a14:hiddenFill>
             </a:ext>
             <a:ext uri="{91240B29-F687-4F45-9708-019B960494DF}">
-              <a14:hiddenLine xmlns:a14="http://schemas.microsoft.com/office/drawing/2010/main" xmlns="" w="9525">
+              <a14:hiddenLine xmlns:a14="http://schemas.microsoft.com/office/drawing/2010/main" w="9525">
                 <a:solidFill>
                   <a:srgbClr val="000000"/>
                 </a:solidFill>
@@ -8552,7 +8568,7 @@
           <a:blip r:embed="rId8" cstate="print">
             <a:extLst>
               <a:ext uri="{28A0092B-C50C-407E-A947-70E740481C1C}">
-                <a14:useLocalDpi xmlns:a14="http://schemas.microsoft.com/office/drawing/2010/main" xmlns="" val="0"/>
+                <a14:useLocalDpi xmlns:a14="http://schemas.microsoft.com/office/drawing/2010/main" val="0"/>
               </a:ext>
             </a:extLst>
           </a:blip>
@@ -8575,14 +8591,14 @@
           </a:ln>
           <a:extLst>
             <a:ext uri="{909E8E84-426E-40DD-AFC4-6F175D3DCCD1}">
-              <a14:hiddenFill xmlns:a14="http://schemas.microsoft.com/office/drawing/2010/main" xmlns="">
+              <a14:hiddenFill xmlns:a14="http://schemas.microsoft.com/office/drawing/2010/main">
                 <a:solidFill>
                   <a:srgbClr val="FFFFFF"/>
                 </a:solidFill>
               </a14:hiddenFill>
             </a:ext>
             <a:ext uri="{91240B29-F687-4F45-9708-019B960494DF}">
-              <a14:hiddenLine xmlns:a14="http://schemas.microsoft.com/office/drawing/2010/main" xmlns="" w="9525">
+              <a14:hiddenLine xmlns:a14="http://schemas.microsoft.com/office/drawing/2010/main" w="9525">
                 <a:solidFill>
                   <a:srgbClr val="000000"/>
                 </a:solidFill>
@@ -8606,7 +8622,7 @@
           <a:blip r:embed="rId9" cstate="print">
             <a:extLst>
               <a:ext uri="{28A0092B-C50C-407E-A947-70E740481C1C}">
-                <a14:useLocalDpi xmlns:a14="http://schemas.microsoft.com/office/drawing/2010/main" xmlns="" val="0"/>
+                <a14:useLocalDpi xmlns:a14="http://schemas.microsoft.com/office/drawing/2010/main" val="0"/>
               </a:ext>
             </a:extLst>
           </a:blip>
@@ -8629,14 +8645,14 @@
           </a:ln>
           <a:extLst>
             <a:ext uri="{909E8E84-426E-40DD-AFC4-6F175D3DCCD1}">
-              <a14:hiddenFill xmlns:a14="http://schemas.microsoft.com/office/drawing/2010/main" xmlns="">
+              <a14:hiddenFill xmlns:a14="http://schemas.microsoft.com/office/drawing/2010/main">
                 <a:solidFill>
                   <a:srgbClr val="FFFFFF"/>
                 </a:solidFill>
               </a14:hiddenFill>
             </a:ext>
             <a:ext uri="{91240B29-F687-4F45-9708-019B960494DF}">
-              <a14:hiddenLine xmlns:a14="http://schemas.microsoft.com/office/drawing/2010/main" xmlns="" w="9525">
+              <a14:hiddenLine xmlns:a14="http://schemas.microsoft.com/office/drawing/2010/main" w="9525">
                 <a:solidFill>
                   <a:srgbClr val="000000"/>
                 </a:solidFill>
@@ -8660,7 +8676,7 @@
           <a:blip r:embed="rId10" cstate="print">
             <a:extLst>
               <a:ext uri="{28A0092B-C50C-407E-A947-70E740481C1C}">
-                <a14:useLocalDpi xmlns:a14="http://schemas.microsoft.com/office/drawing/2010/main" xmlns="" val="0"/>
+                <a14:useLocalDpi xmlns:a14="http://schemas.microsoft.com/office/drawing/2010/main" val="0"/>
               </a:ext>
             </a:extLst>
           </a:blip>
@@ -8683,14 +8699,14 @@
           </a:ln>
           <a:extLst>
             <a:ext uri="{909E8E84-426E-40DD-AFC4-6F175D3DCCD1}">
-              <a14:hiddenFill xmlns:a14="http://schemas.microsoft.com/office/drawing/2010/main" xmlns="">
+              <a14:hiddenFill xmlns:a14="http://schemas.microsoft.com/office/drawing/2010/main">
                 <a:solidFill>
                   <a:srgbClr val="FFFFFF"/>
                 </a:solidFill>
               </a14:hiddenFill>
             </a:ext>
             <a:ext uri="{91240B29-F687-4F45-9708-019B960494DF}">
-              <a14:hiddenLine xmlns:a14="http://schemas.microsoft.com/office/drawing/2010/main" xmlns="" w="9525">
+              <a14:hiddenLine xmlns:a14="http://schemas.microsoft.com/office/drawing/2010/main" w="9525">
                 <a:solidFill>
                   <a:srgbClr val="000000"/>
                 </a:solidFill>
@@ -8714,7 +8730,7 @@
           <a:blip r:embed="rId11" cstate="print">
             <a:extLst>
               <a:ext uri="{28A0092B-C50C-407E-A947-70E740481C1C}">
-                <a14:useLocalDpi xmlns:a14="http://schemas.microsoft.com/office/drawing/2010/main" xmlns="" val="0"/>
+                <a14:useLocalDpi xmlns:a14="http://schemas.microsoft.com/office/drawing/2010/main" val="0"/>
               </a:ext>
             </a:extLst>
           </a:blip>
@@ -8737,14 +8753,14 @@
           </a:ln>
           <a:extLst>
             <a:ext uri="{909E8E84-426E-40DD-AFC4-6F175D3DCCD1}">
-              <a14:hiddenFill xmlns:a14="http://schemas.microsoft.com/office/drawing/2010/main" xmlns="">
+              <a14:hiddenFill xmlns:a14="http://schemas.microsoft.com/office/drawing/2010/main">
                 <a:solidFill>
                   <a:srgbClr val="FFFFFF"/>
                 </a:solidFill>
               </a14:hiddenFill>
             </a:ext>
             <a:ext uri="{91240B29-F687-4F45-9708-019B960494DF}">
-              <a14:hiddenLine xmlns:a14="http://schemas.microsoft.com/office/drawing/2010/main" xmlns="" w="9525">
+              <a14:hiddenLine xmlns:a14="http://schemas.microsoft.com/office/drawing/2010/main" w="9525">
                 <a:solidFill>
                   <a:srgbClr val="000000"/>
                 </a:solidFill>
@@ -8768,7 +8784,7 @@
           <a:blip r:embed="rId12" cstate="print">
             <a:extLst>
               <a:ext uri="{28A0092B-C50C-407E-A947-70E740481C1C}">
-                <a14:useLocalDpi xmlns:a14="http://schemas.microsoft.com/office/drawing/2010/main" xmlns="" val="0"/>
+                <a14:useLocalDpi xmlns:a14="http://schemas.microsoft.com/office/drawing/2010/main" val="0"/>
               </a:ext>
             </a:extLst>
           </a:blip>
@@ -8791,14 +8807,14 @@
           </a:ln>
           <a:extLst>
             <a:ext uri="{909E8E84-426E-40DD-AFC4-6F175D3DCCD1}">
-              <a14:hiddenFill xmlns:a14="http://schemas.microsoft.com/office/drawing/2010/main" xmlns="">
+              <a14:hiddenFill xmlns:a14="http://schemas.microsoft.com/office/drawing/2010/main">
                 <a:solidFill>
                   <a:srgbClr val="FFFFFF"/>
                 </a:solidFill>
               </a14:hiddenFill>
             </a:ext>
             <a:ext uri="{91240B29-F687-4F45-9708-019B960494DF}">
-              <a14:hiddenLine xmlns:a14="http://schemas.microsoft.com/office/drawing/2010/main" xmlns="" w="9525">
+              <a14:hiddenLine xmlns:a14="http://schemas.microsoft.com/office/drawing/2010/main" w="9525">
                 <a:solidFill>
                   <a:srgbClr val="000000"/>
                 </a:solidFill>
@@ -8822,7 +8838,7 @@
           <a:blip r:embed="rId13" cstate="print">
             <a:extLst>
               <a:ext uri="{28A0092B-C50C-407E-A947-70E740481C1C}">
-                <a14:useLocalDpi xmlns:a14="http://schemas.microsoft.com/office/drawing/2010/main" xmlns="" val="0"/>
+                <a14:useLocalDpi xmlns:a14="http://schemas.microsoft.com/office/drawing/2010/main" val="0"/>
               </a:ext>
             </a:extLst>
           </a:blip>
@@ -8845,14 +8861,14 @@
           </a:ln>
           <a:extLst>
             <a:ext uri="{909E8E84-426E-40DD-AFC4-6F175D3DCCD1}">
-              <a14:hiddenFill xmlns:a14="http://schemas.microsoft.com/office/drawing/2010/main" xmlns="">
+              <a14:hiddenFill xmlns:a14="http://schemas.microsoft.com/office/drawing/2010/main">
                 <a:solidFill>
                   <a:srgbClr val="FFFFFF"/>
                 </a:solidFill>
               </a14:hiddenFill>
             </a:ext>
             <a:ext uri="{91240B29-F687-4F45-9708-019B960494DF}">
-              <a14:hiddenLine xmlns:a14="http://schemas.microsoft.com/office/drawing/2010/main" xmlns="" w="9525">
+              <a14:hiddenLine xmlns:a14="http://schemas.microsoft.com/office/drawing/2010/main" w="9525">
                 <a:solidFill>
                   <a:srgbClr val="000000"/>
                 </a:solidFill>
@@ -8876,7 +8892,7 @@
           <a:blip r:embed="rId14" cstate="print">
             <a:extLst>
               <a:ext uri="{28A0092B-C50C-407E-A947-70E740481C1C}">
-                <a14:useLocalDpi xmlns:a14="http://schemas.microsoft.com/office/drawing/2010/main" xmlns="" val="0"/>
+                <a14:useLocalDpi xmlns:a14="http://schemas.microsoft.com/office/drawing/2010/main" val="0"/>
               </a:ext>
             </a:extLst>
           </a:blip>
@@ -8916,14 +8932,14 @@
           </a:ln>
           <a:extLst>
             <a:ext uri="{909E8E84-426E-40DD-AFC4-6F175D3DCCD1}">
-              <a14:hiddenFill xmlns:a14="http://schemas.microsoft.com/office/drawing/2010/main" xmlns="">
+              <a14:hiddenFill xmlns:a14="http://schemas.microsoft.com/office/drawing/2010/main">
                 <a:solidFill>
                   <a:srgbClr val="FFFFFF"/>
                 </a:solidFill>
               </a14:hiddenFill>
             </a:ext>
             <a:ext uri="{91240B29-F687-4F45-9708-019B960494DF}">
-              <a14:hiddenLine xmlns:a14="http://schemas.microsoft.com/office/drawing/2010/main" xmlns="" w="9525">
+              <a14:hiddenLine xmlns:a14="http://schemas.microsoft.com/office/drawing/2010/main" w="9525">
                 <a:solidFill>
                   <a:srgbClr val="000000"/>
                 </a:solidFill>
@@ -9230,1022 +9246,10 @@
           </a:p>
         </p:txBody>
       </p:sp>
-      <p:sp>
-        <p:nvSpPr>
-          <p:cNvPr id="39" name="Text Box 4"/>
-          <p:cNvSpPr txBox="1">
-            <a:spLocks noChangeArrowheads="1"/>
-          </p:cNvSpPr>
-          <p:nvPr/>
-        </p:nvSpPr>
-        <p:spPr bwMode="auto">
-          <a:xfrm>
-            <a:off x="3031672" y="5638800"/>
-            <a:ext cx="3505200" cy="381000"/>
-          </a:xfrm>
-          <a:prstGeom prst="rect">
-            <a:avLst/>
-          </a:prstGeom>
-          <a:noFill/>
-          <a:ln>
-            <a:noFill/>
-          </a:ln>
-          <a:extLst>
-            <a:ext uri="{909E8E84-426E-40DD-AFC4-6F175D3DCCD1}">
-              <a14:hiddenFill xmlns:a14="http://schemas.microsoft.com/office/drawing/2010/main" xmlns="">
-                <a:solidFill>
-                  <a:srgbClr val="FFFFFF"/>
-                </a:solidFill>
-              </a14:hiddenFill>
-            </a:ext>
-            <a:ext uri="{91240B29-F687-4F45-9708-019B960494DF}">
-              <a14:hiddenLine xmlns:a14="http://schemas.microsoft.com/office/drawing/2010/main" xmlns="" w="9525">
-                <a:solidFill>
-                  <a:srgbClr val="000000"/>
-                </a:solidFill>
-                <a:round/>
-                <a:headEnd/>
-                <a:tailEnd/>
-              </a14:hiddenLine>
-            </a:ext>
-          </a:extLst>
-        </p:spPr>
-        <p:txBody>
-          <a:bodyPr anchor="ctr"/>
-          <a:lstStyle>
-            <a:lvl1pPr eaLnBrk="0" hangingPunct="0">
-              <a:tabLst>
-                <a:tab pos="0" algn="l"/>
-                <a:tab pos="914400" algn="l"/>
-                <a:tab pos="1828800" algn="l"/>
-                <a:tab pos="2743200" algn="l"/>
-                <a:tab pos="3657600" algn="l"/>
-                <a:tab pos="4572000" algn="l"/>
-                <a:tab pos="5486400" algn="l"/>
-                <a:tab pos="6400800" algn="l"/>
-                <a:tab pos="7315200" algn="l"/>
-                <a:tab pos="8229600" algn="l"/>
-                <a:tab pos="9144000" algn="l"/>
-                <a:tab pos="10058400" algn="l"/>
-              </a:tabLst>
-              <a:defRPr sz="2400">
-                <a:solidFill>
-                  <a:schemeClr val="bg1"/>
-                </a:solidFill>
-                <a:latin typeface="Calibri" pitchFamily="34" charset="0"/>
-                <a:ea typeface="MS PGothic" pitchFamily="34" charset="-128"/>
-              </a:defRPr>
-            </a:lvl1pPr>
-            <a:lvl2pPr marL="742950" indent="-285750" eaLnBrk="0" hangingPunct="0">
-              <a:tabLst>
-                <a:tab pos="0" algn="l"/>
-                <a:tab pos="914400" algn="l"/>
-                <a:tab pos="1828800" algn="l"/>
-                <a:tab pos="2743200" algn="l"/>
-                <a:tab pos="3657600" algn="l"/>
-                <a:tab pos="4572000" algn="l"/>
-                <a:tab pos="5486400" algn="l"/>
-                <a:tab pos="6400800" algn="l"/>
-                <a:tab pos="7315200" algn="l"/>
-                <a:tab pos="8229600" algn="l"/>
-                <a:tab pos="9144000" algn="l"/>
-                <a:tab pos="10058400" algn="l"/>
-              </a:tabLst>
-              <a:defRPr sz="2400">
-                <a:solidFill>
-                  <a:schemeClr val="bg1"/>
-                </a:solidFill>
-                <a:latin typeface="Calibri" pitchFamily="34" charset="0"/>
-                <a:ea typeface="MS PGothic" pitchFamily="34" charset="-128"/>
-              </a:defRPr>
-            </a:lvl2pPr>
-            <a:lvl3pPr marL="1143000" indent="-228600" eaLnBrk="0" hangingPunct="0">
-              <a:tabLst>
-                <a:tab pos="0" algn="l"/>
-                <a:tab pos="914400" algn="l"/>
-                <a:tab pos="1828800" algn="l"/>
-                <a:tab pos="2743200" algn="l"/>
-                <a:tab pos="3657600" algn="l"/>
-                <a:tab pos="4572000" algn="l"/>
-                <a:tab pos="5486400" algn="l"/>
-                <a:tab pos="6400800" algn="l"/>
-                <a:tab pos="7315200" algn="l"/>
-                <a:tab pos="8229600" algn="l"/>
-                <a:tab pos="9144000" algn="l"/>
-                <a:tab pos="10058400" algn="l"/>
-              </a:tabLst>
-              <a:defRPr sz="2400">
-                <a:solidFill>
-                  <a:schemeClr val="bg1"/>
-                </a:solidFill>
-                <a:latin typeface="Calibri" pitchFamily="34" charset="0"/>
-                <a:ea typeface="MS PGothic" pitchFamily="34" charset="-128"/>
-              </a:defRPr>
-            </a:lvl3pPr>
-            <a:lvl4pPr marL="1600200" indent="-228600" eaLnBrk="0" hangingPunct="0">
-              <a:tabLst>
-                <a:tab pos="0" algn="l"/>
-                <a:tab pos="914400" algn="l"/>
-                <a:tab pos="1828800" algn="l"/>
-                <a:tab pos="2743200" algn="l"/>
-                <a:tab pos="3657600" algn="l"/>
-                <a:tab pos="4572000" algn="l"/>
-                <a:tab pos="5486400" algn="l"/>
-                <a:tab pos="6400800" algn="l"/>
-                <a:tab pos="7315200" algn="l"/>
-                <a:tab pos="8229600" algn="l"/>
-                <a:tab pos="9144000" algn="l"/>
-                <a:tab pos="10058400" algn="l"/>
-              </a:tabLst>
-              <a:defRPr sz="2400">
-                <a:solidFill>
-                  <a:schemeClr val="bg1"/>
-                </a:solidFill>
-                <a:latin typeface="Calibri" pitchFamily="34" charset="0"/>
-                <a:ea typeface="MS PGothic" pitchFamily="34" charset="-128"/>
-              </a:defRPr>
-            </a:lvl4pPr>
-            <a:lvl5pPr marL="2057400" indent="-228600" eaLnBrk="0" hangingPunct="0">
-              <a:tabLst>
-                <a:tab pos="0" algn="l"/>
-                <a:tab pos="914400" algn="l"/>
-                <a:tab pos="1828800" algn="l"/>
-                <a:tab pos="2743200" algn="l"/>
-                <a:tab pos="3657600" algn="l"/>
-                <a:tab pos="4572000" algn="l"/>
-                <a:tab pos="5486400" algn="l"/>
-                <a:tab pos="6400800" algn="l"/>
-                <a:tab pos="7315200" algn="l"/>
-                <a:tab pos="8229600" algn="l"/>
-                <a:tab pos="9144000" algn="l"/>
-                <a:tab pos="10058400" algn="l"/>
-              </a:tabLst>
-              <a:defRPr sz="2400">
-                <a:solidFill>
-                  <a:schemeClr val="bg1"/>
-                </a:solidFill>
-                <a:latin typeface="Calibri" pitchFamily="34" charset="0"/>
-                <a:ea typeface="MS PGothic" pitchFamily="34" charset="-128"/>
-              </a:defRPr>
-            </a:lvl5pPr>
-            <a:lvl6pPr marL="2514600" indent="-228600" defTabSz="457200" eaLnBrk="0" fontAlgn="base" hangingPunct="0">
-              <a:lnSpc>
-                <a:spcPct val="102000"/>
-              </a:lnSpc>
-              <a:spcBef>
-                <a:spcPct val="0"/>
-              </a:spcBef>
-              <a:spcAft>
-                <a:spcPct val="0"/>
-              </a:spcAft>
-              <a:buClr>
-                <a:srgbClr val="000000"/>
-              </a:buClr>
-              <a:buSzPct val="100000"/>
-              <a:buFont typeface="Calibri" pitchFamily="34" charset="0"/>
-              <a:tabLst>
-                <a:tab pos="0" algn="l"/>
-                <a:tab pos="914400" algn="l"/>
-                <a:tab pos="1828800" algn="l"/>
-                <a:tab pos="2743200" algn="l"/>
-                <a:tab pos="3657600" algn="l"/>
-                <a:tab pos="4572000" algn="l"/>
-                <a:tab pos="5486400" algn="l"/>
-                <a:tab pos="6400800" algn="l"/>
-                <a:tab pos="7315200" algn="l"/>
-                <a:tab pos="8229600" algn="l"/>
-                <a:tab pos="9144000" algn="l"/>
-                <a:tab pos="10058400" algn="l"/>
-              </a:tabLst>
-              <a:defRPr sz="2400">
-                <a:solidFill>
-                  <a:schemeClr val="bg1"/>
-                </a:solidFill>
-                <a:latin typeface="Calibri" pitchFamily="34" charset="0"/>
-                <a:ea typeface="MS PGothic" pitchFamily="34" charset="-128"/>
-              </a:defRPr>
-            </a:lvl6pPr>
-            <a:lvl7pPr marL="2971800" indent="-228600" defTabSz="457200" eaLnBrk="0" fontAlgn="base" hangingPunct="0">
-              <a:lnSpc>
-                <a:spcPct val="102000"/>
-              </a:lnSpc>
-              <a:spcBef>
-                <a:spcPct val="0"/>
-              </a:spcBef>
-              <a:spcAft>
-                <a:spcPct val="0"/>
-              </a:spcAft>
-              <a:buClr>
-                <a:srgbClr val="000000"/>
-              </a:buClr>
-              <a:buSzPct val="100000"/>
-              <a:buFont typeface="Calibri" pitchFamily="34" charset="0"/>
-              <a:tabLst>
-                <a:tab pos="0" algn="l"/>
-                <a:tab pos="914400" algn="l"/>
-                <a:tab pos="1828800" algn="l"/>
-                <a:tab pos="2743200" algn="l"/>
-                <a:tab pos="3657600" algn="l"/>
-                <a:tab pos="4572000" algn="l"/>
-                <a:tab pos="5486400" algn="l"/>
-                <a:tab pos="6400800" algn="l"/>
-                <a:tab pos="7315200" algn="l"/>
-                <a:tab pos="8229600" algn="l"/>
-                <a:tab pos="9144000" algn="l"/>
-                <a:tab pos="10058400" algn="l"/>
-              </a:tabLst>
-              <a:defRPr sz="2400">
-                <a:solidFill>
-                  <a:schemeClr val="bg1"/>
-                </a:solidFill>
-                <a:latin typeface="Calibri" pitchFamily="34" charset="0"/>
-                <a:ea typeface="MS PGothic" pitchFamily="34" charset="-128"/>
-              </a:defRPr>
-            </a:lvl7pPr>
-            <a:lvl8pPr marL="3429000" indent="-228600" defTabSz="457200" eaLnBrk="0" fontAlgn="base" hangingPunct="0">
-              <a:lnSpc>
-                <a:spcPct val="102000"/>
-              </a:lnSpc>
-              <a:spcBef>
-                <a:spcPct val="0"/>
-              </a:spcBef>
-              <a:spcAft>
-                <a:spcPct val="0"/>
-              </a:spcAft>
-              <a:buClr>
-                <a:srgbClr val="000000"/>
-              </a:buClr>
-              <a:buSzPct val="100000"/>
-              <a:buFont typeface="Calibri" pitchFamily="34" charset="0"/>
-              <a:tabLst>
-                <a:tab pos="0" algn="l"/>
-                <a:tab pos="914400" algn="l"/>
-                <a:tab pos="1828800" algn="l"/>
-                <a:tab pos="2743200" algn="l"/>
-                <a:tab pos="3657600" algn="l"/>
-                <a:tab pos="4572000" algn="l"/>
-                <a:tab pos="5486400" algn="l"/>
-                <a:tab pos="6400800" algn="l"/>
-                <a:tab pos="7315200" algn="l"/>
-                <a:tab pos="8229600" algn="l"/>
-                <a:tab pos="9144000" algn="l"/>
-                <a:tab pos="10058400" algn="l"/>
-              </a:tabLst>
-              <a:defRPr sz="2400">
-                <a:solidFill>
-                  <a:schemeClr val="bg1"/>
-                </a:solidFill>
-                <a:latin typeface="Calibri" pitchFamily="34" charset="0"/>
-                <a:ea typeface="MS PGothic" pitchFamily="34" charset="-128"/>
-              </a:defRPr>
-            </a:lvl8pPr>
-            <a:lvl9pPr marL="3886200" indent="-228600" defTabSz="457200" eaLnBrk="0" fontAlgn="base" hangingPunct="0">
-              <a:lnSpc>
-                <a:spcPct val="102000"/>
-              </a:lnSpc>
-              <a:spcBef>
-                <a:spcPct val="0"/>
-              </a:spcBef>
-              <a:spcAft>
-                <a:spcPct val="0"/>
-              </a:spcAft>
-              <a:buClr>
-                <a:srgbClr val="000000"/>
-              </a:buClr>
-              <a:buSzPct val="100000"/>
-              <a:buFont typeface="Calibri" pitchFamily="34" charset="0"/>
-              <a:tabLst>
-                <a:tab pos="0" algn="l"/>
-                <a:tab pos="914400" algn="l"/>
-                <a:tab pos="1828800" algn="l"/>
-                <a:tab pos="2743200" algn="l"/>
-                <a:tab pos="3657600" algn="l"/>
-                <a:tab pos="4572000" algn="l"/>
-                <a:tab pos="5486400" algn="l"/>
-                <a:tab pos="6400800" algn="l"/>
-                <a:tab pos="7315200" algn="l"/>
-                <a:tab pos="8229600" algn="l"/>
-                <a:tab pos="9144000" algn="l"/>
-                <a:tab pos="10058400" algn="l"/>
-              </a:tabLst>
-              <a:defRPr sz="2400">
-                <a:solidFill>
-                  <a:schemeClr val="bg1"/>
-                </a:solidFill>
-                <a:latin typeface="Calibri" pitchFamily="34" charset="0"/>
-                <a:ea typeface="MS PGothic" pitchFamily="34" charset="-128"/>
-              </a:defRPr>
-            </a:lvl9pPr>
-          </a:lstStyle>
-          <a:p>
-            <a:pPr algn="ctr" eaLnBrk="1" hangingPunct="1">
-              <a:lnSpc>
-                <a:spcPct val="100000"/>
-              </a:lnSpc>
-              <a:buClr>
-                <a:srgbClr val="00B0F0"/>
-              </a:buClr>
-              <a:buFont typeface="SapientSansMedium" charset="0"/>
-              <a:buNone/>
-            </a:pPr>
-            <a:r>
-              <a:rPr lang="en-GB" sz="1600" b="1" dirty="0" smtClean="0">
-                <a:solidFill>
-                  <a:schemeClr val="accent1">
-                    <a:lumMod val="75000"/>
-                  </a:schemeClr>
-                </a:solidFill>
-                <a:latin typeface="SapientSansMedium" charset="0"/>
-              </a:rPr>
-              <a:t>SmartPools International Pvt. Ltd.</a:t>
-            </a:r>
-            <a:endParaRPr lang="en-GB" sz="1600" b="1" dirty="0">
-              <a:solidFill>
-                <a:schemeClr val="accent1">
-                  <a:lumMod val="75000"/>
-                </a:schemeClr>
-              </a:solidFill>
-              <a:latin typeface="SapientSansMedium" charset="0"/>
-            </a:endParaRPr>
-          </a:p>
-        </p:txBody>
-      </p:sp>
-      <p:sp>
-        <p:nvSpPr>
-          <p:cNvPr id="40" name="Text Box 4"/>
-          <p:cNvSpPr txBox="1">
-            <a:spLocks noChangeArrowheads="1"/>
-          </p:cNvSpPr>
-          <p:nvPr/>
-        </p:nvSpPr>
-        <p:spPr bwMode="auto">
-          <a:xfrm>
-            <a:off x="337232" y="5932714"/>
-            <a:ext cx="8610600" cy="381000"/>
-          </a:xfrm>
-          <a:prstGeom prst="rect">
-            <a:avLst/>
-          </a:prstGeom>
-          <a:noFill/>
-          <a:ln>
-            <a:noFill/>
-          </a:ln>
-          <a:extLst>
-            <a:ext uri="{909E8E84-426E-40DD-AFC4-6F175D3DCCD1}">
-              <a14:hiddenFill xmlns:a14="http://schemas.microsoft.com/office/drawing/2010/main" xmlns="">
-                <a:solidFill>
-                  <a:srgbClr val="FFFFFF"/>
-                </a:solidFill>
-              </a14:hiddenFill>
-            </a:ext>
-            <a:ext uri="{91240B29-F687-4F45-9708-019B960494DF}">
-              <a14:hiddenLine xmlns:a14="http://schemas.microsoft.com/office/drawing/2010/main" xmlns="" w="9525">
-                <a:solidFill>
-                  <a:srgbClr val="000000"/>
-                </a:solidFill>
-                <a:round/>
-                <a:headEnd/>
-                <a:tailEnd/>
-              </a14:hiddenLine>
-            </a:ext>
-          </a:extLst>
-        </p:spPr>
-        <p:txBody>
-          <a:bodyPr anchor="ctr"/>
-          <a:lstStyle>
-            <a:lvl1pPr eaLnBrk="0" hangingPunct="0">
-              <a:tabLst>
-                <a:tab pos="0" algn="l"/>
-                <a:tab pos="914400" algn="l"/>
-                <a:tab pos="1828800" algn="l"/>
-                <a:tab pos="2743200" algn="l"/>
-                <a:tab pos="3657600" algn="l"/>
-                <a:tab pos="4572000" algn="l"/>
-                <a:tab pos="5486400" algn="l"/>
-                <a:tab pos="6400800" algn="l"/>
-                <a:tab pos="7315200" algn="l"/>
-                <a:tab pos="8229600" algn="l"/>
-                <a:tab pos="9144000" algn="l"/>
-                <a:tab pos="10058400" algn="l"/>
-              </a:tabLst>
-              <a:defRPr sz="2400">
-                <a:solidFill>
-                  <a:schemeClr val="bg1"/>
-                </a:solidFill>
-                <a:latin typeface="Calibri" pitchFamily="34" charset="0"/>
-                <a:ea typeface="MS PGothic" pitchFamily="34" charset="-128"/>
-              </a:defRPr>
-            </a:lvl1pPr>
-            <a:lvl2pPr marL="742950" indent="-285750" eaLnBrk="0" hangingPunct="0">
-              <a:tabLst>
-                <a:tab pos="0" algn="l"/>
-                <a:tab pos="914400" algn="l"/>
-                <a:tab pos="1828800" algn="l"/>
-                <a:tab pos="2743200" algn="l"/>
-                <a:tab pos="3657600" algn="l"/>
-                <a:tab pos="4572000" algn="l"/>
-                <a:tab pos="5486400" algn="l"/>
-                <a:tab pos="6400800" algn="l"/>
-                <a:tab pos="7315200" algn="l"/>
-                <a:tab pos="8229600" algn="l"/>
-                <a:tab pos="9144000" algn="l"/>
-                <a:tab pos="10058400" algn="l"/>
-              </a:tabLst>
-              <a:defRPr sz="2400">
-                <a:solidFill>
-                  <a:schemeClr val="bg1"/>
-                </a:solidFill>
-                <a:latin typeface="Calibri" pitchFamily="34" charset="0"/>
-                <a:ea typeface="MS PGothic" pitchFamily="34" charset="-128"/>
-              </a:defRPr>
-            </a:lvl2pPr>
-            <a:lvl3pPr marL="1143000" indent="-228600" eaLnBrk="0" hangingPunct="0">
-              <a:tabLst>
-                <a:tab pos="0" algn="l"/>
-                <a:tab pos="914400" algn="l"/>
-                <a:tab pos="1828800" algn="l"/>
-                <a:tab pos="2743200" algn="l"/>
-                <a:tab pos="3657600" algn="l"/>
-                <a:tab pos="4572000" algn="l"/>
-                <a:tab pos="5486400" algn="l"/>
-                <a:tab pos="6400800" algn="l"/>
-                <a:tab pos="7315200" algn="l"/>
-                <a:tab pos="8229600" algn="l"/>
-                <a:tab pos="9144000" algn="l"/>
-                <a:tab pos="10058400" algn="l"/>
-              </a:tabLst>
-              <a:defRPr sz="2400">
-                <a:solidFill>
-                  <a:schemeClr val="bg1"/>
-                </a:solidFill>
-                <a:latin typeface="Calibri" pitchFamily="34" charset="0"/>
-                <a:ea typeface="MS PGothic" pitchFamily="34" charset="-128"/>
-              </a:defRPr>
-            </a:lvl3pPr>
-            <a:lvl4pPr marL="1600200" indent="-228600" eaLnBrk="0" hangingPunct="0">
-              <a:tabLst>
-                <a:tab pos="0" algn="l"/>
-                <a:tab pos="914400" algn="l"/>
-                <a:tab pos="1828800" algn="l"/>
-                <a:tab pos="2743200" algn="l"/>
-                <a:tab pos="3657600" algn="l"/>
-                <a:tab pos="4572000" algn="l"/>
-                <a:tab pos="5486400" algn="l"/>
-                <a:tab pos="6400800" algn="l"/>
-                <a:tab pos="7315200" algn="l"/>
-                <a:tab pos="8229600" algn="l"/>
-                <a:tab pos="9144000" algn="l"/>
-                <a:tab pos="10058400" algn="l"/>
-              </a:tabLst>
-              <a:defRPr sz="2400">
-                <a:solidFill>
-                  <a:schemeClr val="bg1"/>
-                </a:solidFill>
-                <a:latin typeface="Calibri" pitchFamily="34" charset="0"/>
-                <a:ea typeface="MS PGothic" pitchFamily="34" charset="-128"/>
-              </a:defRPr>
-            </a:lvl4pPr>
-            <a:lvl5pPr marL="2057400" indent="-228600" eaLnBrk="0" hangingPunct="0">
-              <a:tabLst>
-                <a:tab pos="0" algn="l"/>
-                <a:tab pos="914400" algn="l"/>
-                <a:tab pos="1828800" algn="l"/>
-                <a:tab pos="2743200" algn="l"/>
-                <a:tab pos="3657600" algn="l"/>
-                <a:tab pos="4572000" algn="l"/>
-                <a:tab pos="5486400" algn="l"/>
-                <a:tab pos="6400800" algn="l"/>
-                <a:tab pos="7315200" algn="l"/>
-                <a:tab pos="8229600" algn="l"/>
-                <a:tab pos="9144000" algn="l"/>
-                <a:tab pos="10058400" algn="l"/>
-              </a:tabLst>
-              <a:defRPr sz="2400">
-                <a:solidFill>
-                  <a:schemeClr val="bg1"/>
-                </a:solidFill>
-                <a:latin typeface="Calibri" pitchFamily="34" charset="0"/>
-                <a:ea typeface="MS PGothic" pitchFamily="34" charset="-128"/>
-              </a:defRPr>
-            </a:lvl5pPr>
-            <a:lvl6pPr marL="2514600" indent="-228600" defTabSz="457200" eaLnBrk="0" fontAlgn="base" hangingPunct="0">
-              <a:lnSpc>
-                <a:spcPct val="102000"/>
-              </a:lnSpc>
-              <a:spcBef>
-                <a:spcPct val="0"/>
-              </a:spcBef>
-              <a:spcAft>
-                <a:spcPct val="0"/>
-              </a:spcAft>
-              <a:buClr>
-                <a:srgbClr val="000000"/>
-              </a:buClr>
-              <a:buSzPct val="100000"/>
-              <a:buFont typeface="Calibri" pitchFamily="34" charset="0"/>
-              <a:tabLst>
-                <a:tab pos="0" algn="l"/>
-                <a:tab pos="914400" algn="l"/>
-                <a:tab pos="1828800" algn="l"/>
-                <a:tab pos="2743200" algn="l"/>
-                <a:tab pos="3657600" algn="l"/>
-                <a:tab pos="4572000" algn="l"/>
-                <a:tab pos="5486400" algn="l"/>
-                <a:tab pos="6400800" algn="l"/>
-                <a:tab pos="7315200" algn="l"/>
-                <a:tab pos="8229600" algn="l"/>
-                <a:tab pos="9144000" algn="l"/>
-                <a:tab pos="10058400" algn="l"/>
-              </a:tabLst>
-              <a:defRPr sz="2400">
-                <a:solidFill>
-                  <a:schemeClr val="bg1"/>
-                </a:solidFill>
-                <a:latin typeface="Calibri" pitchFamily="34" charset="0"/>
-                <a:ea typeface="MS PGothic" pitchFamily="34" charset="-128"/>
-              </a:defRPr>
-            </a:lvl6pPr>
-            <a:lvl7pPr marL="2971800" indent="-228600" defTabSz="457200" eaLnBrk="0" fontAlgn="base" hangingPunct="0">
-              <a:lnSpc>
-                <a:spcPct val="102000"/>
-              </a:lnSpc>
-              <a:spcBef>
-                <a:spcPct val="0"/>
-              </a:spcBef>
-              <a:spcAft>
-                <a:spcPct val="0"/>
-              </a:spcAft>
-              <a:buClr>
-                <a:srgbClr val="000000"/>
-              </a:buClr>
-              <a:buSzPct val="100000"/>
-              <a:buFont typeface="Calibri" pitchFamily="34" charset="0"/>
-              <a:tabLst>
-                <a:tab pos="0" algn="l"/>
-                <a:tab pos="914400" algn="l"/>
-                <a:tab pos="1828800" algn="l"/>
-                <a:tab pos="2743200" algn="l"/>
-                <a:tab pos="3657600" algn="l"/>
-                <a:tab pos="4572000" algn="l"/>
-                <a:tab pos="5486400" algn="l"/>
-                <a:tab pos="6400800" algn="l"/>
-                <a:tab pos="7315200" algn="l"/>
-                <a:tab pos="8229600" algn="l"/>
-                <a:tab pos="9144000" algn="l"/>
-                <a:tab pos="10058400" algn="l"/>
-              </a:tabLst>
-              <a:defRPr sz="2400">
-                <a:solidFill>
-                  <a:schemeClr val="bg1"/>
-                </a:solidFill>
-                <a:latin typeface="Calibri" pitchFamily="34" charset="0"/>
-                <a:ea typeface="MS PGothic" pitchFamily="34" charset="-128"/>
-              </a:defRPr>
-            </a:lvl7pPr>
-            <a:lvl8pPr marL="3429000" indent="-228600" defTabSz="457200" eaLnBrk="0" fontAlgn="base" hangingPunct="0">
-              <a:lnSpc>
-                <a:spcPct val="102000"/>
-              </a:lnSpc>
-              <a:spcBef>
-                <a:spcPct val="0"/>
-              </a:spcBef>
-              <a:spcAft>
-                <a:spcPct val="0"/>
-              </a:spcAft>
-              <a:buClr>
-                <a:srgbClr val="000000"/>
-              </a:buClr>
-              <a:buSzPct val="100000"/>
-              <a:buFont typeface="Calibri" pitchFamily="34" charset="0"/>
-              <a:tabLst>
-                <a:tab pos="0" algn="l"/>
-                <a:tab pos="914400" algn="l"/>
-                <a:tab pos="1828800" algn="l"/>
-                <a:tab pos="2743200" algn="l"/>
-                <a:tab pos="3657600" algn="l"/>
-                <a:tab pos="4572000" algn="l"/>
-                <a:tab pos="5486400" algn="l"/>
-                <a:tab pos="6400800" algn="l"/>
-                <a:tab pos="7315200" algn="l"/>
-                <a:tab pos="8229600" algn="l"/>
-                <a:tab pos="9144000" algn="l"/>
-                <a:tab pos="10058400" algn="l"/>
-              </a:tabLst>
-              <a:defRPr sz="2400">
-                <a:solidFill>
-                  <a:schemeClr val="bg1"/>
-                </a:solidFill>
-                <a:latin typeface="Calibri" pitchFamily="34" charset="0"/>
-                <a:ea typeface="MS PGothic" pitchFamily="34" charset="-128"/>
-              </a:defRPr>
-            </a:lvl8pPr>
-            <a:lvl9pPr marL="3886200" indent="-228600" defTabSz="457200" eaLnBrk="0" fontAlgn="base" hangingPunct="0">
-              <a:lnSpc>
-                <a:spcPct val="102000"/>
-              </a:lnSpc>
-              <a:spcBef>
-                <a:spcPct val="0"/>
-              </a:spcBef>
-              <a:spcAft>
-                <a:spcPct val="0"/>
-              </a:spcAft>
-              <a:buClr>
-                <a:srgbClr val="000000"/>
-              </a:buClr>
-              <a:buSzPct val="100000"/>
-              <a:buFont typeface="Calibri" pitchFamily="34" charset="0"/>
-              <a:tabLst>
-                <a:tab pos="0" algn="l"/>
-                <a:tab pos="914400" algn="l"/>
-                <a:tab pos="1828800" algn="l"/>
-                <a:tab pos="2743200" algn="l"/>
-                <a:tab pos="3657600" algn="l"/>
-                <a:tab pos="4572000" algn="l"/>
-                <a:tab pos="5486400" algn="l"/>
-                <a:tab pos="6400800" algn="l"/>
-                <a:tab pos="7315200" algn="l"/>
-                <a:tab pos="8229600" algn="l"/>
-                <a:tab pos="9144000" algn="l"/>
-                <a:tab pos="10058400" algn="l"/>
-              </a:tabLst>
-              <a:defRPr sz="2400">
-                <a:solidFill>
-                  <a:schemeClr val="bg1"/>
-                </a:solidFill>
-                <a:latin typeface="Calibri" pitchFamily="34" charset="0"/>
-                <a:ea typeface="MS PGothic" pitchFamily="34" charset="-128"/>
-              </a:defRPr>
-            </a:lvl9pPr>
-          </a:lstStyle>
-          <a:p>
-            <a:pPr algn="ctr" eaLnBrk="1" hangingPunct="1">
-              <a:lnSpc>
-                <a:spcPct val="100000"/>
-              </a:lnSpc>
-              <a:buClr>
-                <a:srgbClr val="00B0F0"/>
-              </a:buClr>
-              <a:buFont typeface="SapientSansMedium" charset="0"/>
-              <a:buNone/>
-            </a:pPr>
-            <a:r>
-              <a:rPr lang="en-GB" sz="1400" dirty="0" smtClean="0">
-                <a:solidFill>
-                  <a:schemeClr val="tx1"/>
-                </a:solidFill>
-                <a:latin typeface="SapientSansMedium" charset="0"/>
-              </a:rPr>
-              <a:t>SmartPools House, No.35/1B, Sathnur road, Next to country club, Yelahanka, Bangalore – 560063, India.</a:t>
-            </a:r>
-            <a:endParaRPr lang="en-GB" sz="1400" dirty="0">
-              <a:solidFill>
-                <a:schemeClr val="tx1"/>
-              </a:solidFill>
-              <a:latin typeface="SapientSansMedium" charset="0"/>
-            </a:endParaRPr>
-          </a:p>
-        </p:txBody>
-      </p:sp>
-      <p:sp>
-        <p:nvSpPr>
-          <p:cNvPr id="41" name="Text Box 4"/>
-          <p:cNvSpPr txBox="1">
-            <a:spLocks noChangeArrowheads="1"/>
-          </p:cNvSpPr>
-          <p:nvPr/>
-        </p:nvSpPr>
-        <p:spPr bwMode="auto">
-          <a:xfrm>
-            <a:off x="2204132" y="6248400"/>
-            <a:ext cx="4664707" cy="381000"/>
-          </a:xfrm>
-          <a:prstGeom prst="rect">
-            <a:avLst/>
-          </a:prstGeom>
-          <a:noFill/>
-          <a:ln>
-            <a:noFill/>
-          </a:ln>
-          <a:extLst>
-            <a:ext uri="{909E8E84-426E-40DD-AFC4-6F175D3DCCD1}">
-              <a14:hiddenFill xmlns:a14="http://schemas.microsoft.com/office/drawing/2010/main" xmlns="">
-                <a:solidFill>
-                  <a:srgbClr val="FFFFFF"/>
-                </a:solidFill>
-              </a14:hiddenFill>
-            </a:ext>
-            <a:ext uri="{91240B29-F687-4F45-9708-019B960494DF}">
-              <a14:hiddenLine xmlns:a14="http://schemas.microsoft.com/office/drawing/2010/main" xmlns="" w="9525">
-                <a:solidFill>
-                  <a:srgbClr val="000000"/>
-                </a:solidFill>
-                <a:round/>
-                <a:headEnd/>
-                <a:tailEnd/>
-              </a14:hiddenLine>
-            </a:ext>
-          </a:extLst>
-        </p:spPr>
-        <p:txBody>
-          <a:bodyPr anchor="ctr"/>
-          <a:lstStyle>
-            <a:lvl1pPr eaLnBrk="0" hangingPunct="0">
-              <a:tabLst>
-                <a:tab pos="0" algn="l"/>
-                <a:tab pos="914400" algn="l"/>
-                <a:tab pos="1828800" algn="l"/>
-                <a:tab pos="2743200" algn="l"/>
-                <a:tab pos="3657600" algn="l"/>
-                <a:tab pos="4572000" algn="l"/>
-                <a:tab pos="5486400" algn="l"/>
-                <a:tab pos="6400800" algn="l"/>
-                <a:tab pos="7315200" algn="l"/>
-                <a:tab pos="8229600" algn="l"/>
-                <a:tab pos="9144000" algn="l"/>
-                <a:tab pos="10058400" algn="l"/>
-              </a:tabLst>
-              <a:defRPr sz="2400">
-                <a:solidFill>
-                  <a:schemeClr val="bg1"/>
-                </a:solidFill>
-                <a:latin typeface="Calibri" pitchFamily="34" charset="0"/>
-                <a:ea typeface="MS PGothic" pitchFamily="34" charset="-128"/>
-              </a:defRPr>
-            </a:lvl1pPr>
-            <a:lvl2pPr marL="742950" indent="-285750" eaLnBrk="0" hangingPunct="0">
-              <a:tabLst>
-                <a:tab pos="0" algn="l"/>
-                <a:tab pos="914400" algn="l"/>
-                <a:tab pos="1828800" algn="l"/>
-                <a:tab pos="2743200" algn="l"/>
-                <a:tab pos="3657600" algn="l"/>
-                <a:tab pos="4572000" algn="l"/>
-                <a:tab pos="5486400" algn="l"/>
-                <a:tab pos="6400800" algn="l"/>
-                <a:tab pos="7315200" algn="l"/>
-                <a:tab pos="8229600" algn="l"/>
-                <a:tab pos="9144000" algn="l"/>
-                <a:tab pos="10058400" algn="l"/>
-              </a:tabLst>
-              <a:defRPr sz="2400">
-                <a:solidFill>
-                  <a:schemeClr val="bg1"/>
-                </a:solidFill>
-                <a:latin typeface="Calibri" pitchFamily="34" charset="0"/>
-                <a:ea typeface="MS PGothic" pitchFamily="34" charset="-128"/>
-              </a:defRPr>
-            </a:lvl2pPr>
-            <a:lvl3pPr marL="1143000" indent="-228600" eaLnBrk="0" hangingPunct="0">
-              <a:tabLst>
-                <a:tab pos="0" algn="l"/>
-                <a:tab pos="914400" algn="l"/>
-                <a:tab pos="1828800" algn="l"/>
-                <a:tab pos="2743200" algn="l"/>
-                <a:tab pos="3657600" algn="l"/>
-                <a:tab pos="4572000" algn="l"/>
-                <a:tab pos="5486400" algn="l"/>
-                <a:tab pos="6400800" algn="l"/>
-                <a:tab pos="7315200" algn="l"/>
-                <a:tab pos="8229600" algn="l"/>
-                <a:tab pos="9144000" algn="l"/>
-                <a:tab pos="10058400" algn="l"/>
-              </a:tabLst>
-              <a:defRPr sz="2400">
-                <a:solidFill>
-                  <a:schemeClr val="bg1"/>
-                </a:solidFill>
-                <a:latin typeface="Calibri" pitchFamily="34" charset="0"/>
-                <a:ea typeface="MS PGothic" pitchFamily="34" charset="-128"/>
-              </a:defRPr>
-            </a:lvl3pPr>
-            <a:lvl4pPr marL="1600200" indent="-228600" eaLnBrk="0" hangingPunct="0">
-              <a:tabLst>
-                <a:tab pos="0" algn="l"/>
-                <a:tab pos="914400" algn="l"/>
-                <a:tab pos="1828800" algn="l"/>
-                <a:tab pos="2743200" algn="l"/>
-                <a:tab pos="3657600" algn="l"/>
-                <a:tab pos="4572000" algn="l"/>
-                <a:tab pos="5486400" algn="l"/>
-                <a:tab pos="6400800" algn="l"/>
-                <a:tab pos="7315200" algn="l"/>
-                <a:tab pos="8229600" algn="l"/>
-                <a:tab pos="9144000" algn="l"/>
-                <a:tab pos="10058400" algn="l"/>
-              </a:tabLst>
-              <a:defRPr sz="2400">
-                <a:solidFill>
-                  <a:schemeClr val="bg1"/>
-                </a:solidFill>
-                <a:latin typeface="Calibri" pitchFamily="34" charset="0"/>
-                <a:ea typeface="MS PGothic" pitchFamily="34" charset="-128"/>
-              </a:defRPr>
-            </a:lvl4pPr>
-            <a:lvl5pPr marL="2057400" indent="-228600" eaLnBrk="0" hangingPunct="0">
-              <a:tabLst>
-                <a:tab pos="0" algn="l"/>
-                <a:tab pos="914400" algn="l"/>
-                <a:tab pos="1828800" algn="l"/>
-                <a:tab pos="2743200" algn="l"/>
-                <a:tab pos="3657600" algn="l"/>
-                <a:tab pos="4572000" algn="l"/>
-                <a:tab pos="5486400" algn="l"/>
-                <a:tab pos="6400800" algn="l"/>
-                <a:tab pos="7315200" algn="l"/>
-                <a:tab pos="8229600" algn="l"/>
-                <a:tab pos="9144000" algn="l"/>
-                <a:tab pos="10058400" algn="l"/>
-              </a:tabLst>
-              <a:defRPr sz="2400">
-                <a:solidFill>
-                  <a:schemeClr val="bg1"/>
-                </a:solidFill>
-                <a:latin typeface="Calibri" pitchFamily="34" charset="0"/>
-                <a:ea typeface="MS PGothic" pitchFamily="34" charset="-128"/>
-              </a:defRPr>
-            </a:lvl5pPr>
-            <a:lvl6pPr marL="2514600" indent="-228600" defTabSz="457200" eaLnBrk="0" fontAlgn="base" hangingPunct="0">
-              <a:lnSpc>
-                <a:spcPct val="102000"/>
-              </a:lnSpc>
-              <a:spcBef>
-                <a:spcPct val="0"/>
-              </a:spcBef>
-              <a:spcAft>
-                <a:spcPct val="0"/>
-              </a:spcAft>
-              <a:buClr>
-                <a:srgbClr val="000000"/>
-              </a:buClr>
-              <a:buSzPct val="100000"/>
-              <a:buFont typeface="Calibri" pitchFamily="34" charset="0"/>
-              <a:tabLst>
-                <a:tab pos="0" algn="l"/>
-                <a:tab pos="914400" algn="l"/>
-                <a:tab pos="1828800" algn="l"/>
-                <a:tab pos="2743200" algn="l"/>
-                <a:tab pos="3657600" algn="l"/>
-                <a:tab pos="4572000" algn="l"/>
-                <a:tab pos="5486400" algn="l"/>
-                <a:tab pos="6400800" algn="l"/>
-                <a:tab pos="7315200" algn="l"/>
-                <a:tab pos="8229600" algn="l"/>
-                <a:tab pos="9144000" algn="l"/>
-                <a:tab pos="10058400" algn="l"/>
-              </a:tabLst>
-              <a:defRPr sz="2400">
-                <a:solidFill>
-                  <a:schemeClr val="bg1"/>
-                </a:solidFill>
-                <a:latin typeface="Calibri" pitchFamily="34" charset="0"/>
-                <a:ea typeface="MS PGothic" pitchFamily="34" charset="-128"/>
-              </a:defRPr>
-            </a:lvl6pPr>
-            <a:lvl7pPr marL="2971800" indent="-228600" defTabSz="457200" eaLnBrk="0" fontAlgn="base" hangingPunct="0">
-              <a:lnSpc>
-                <a:spcPct val="102000"/>
-              </a:lnSpc>
-              <a:spcBef>
-                <a:spcPct val="0"/>
-              </a:spcBef>
-              <a:spcAft>
-                <a:spcPct val="0"/>
-              </a:spcAft>
-              <a:buClr>
-                <a:srgbClr val="000000"/>
-              </a:buClr>
-              <a:buSzPct val="100000"/>
-              <a:buFont typeface="Calibri" pitchFamily="34" charset="0"/>
-              <a:tabLst>
-                <a:tab pos="0" algn="l"/>
-                <a:tab pos="914400" algn="l"/>
-                <a:tab pos="1828800" algn="l"/>
-                <a:tab pos="2743200" algn="l"/>
-                <a:tab pos="3657600" algn="l"/>
-                <a:tab pos="4572000" algn="l"/>
-                <a:tab pos="5486400" algn="l"/>
-                <a:tab pos="6400800" algn="l"/>
-                <a:tab pos="7315200" algn="l"/>
-                <a:tab pos="8229600" algn="l"/>
-                <a:tab pos="9144000" algn="l"/>
-                <a:tab pos="10058400" algn="l"/>
-              </a:tabLst>
-              <a:defRPr sz="2400">
-                <a:solidFill>
-                  <a:schemeClr val="bg1"/>
-                </a:solidFill>
-                <a:latin typeface="Calibri" pitchFamily="34" charset="0"/>
-                <a:ea typeface="MS PGothic" pitchFamily="34" charset="-128"/>
-              </a:defRPr>
-            </a:lvl7pPr>
-            <a:lvl8pPr marL="3429000" indent="-228600" defTabSz="457200" eaLnBrk="0" fontAlgn="base" hangingPunct="0">
-              <a:lnSpc>
-                <a:spcPct val="102000"/>
-              </a:lnSpc>
-              <a:spcBef>
-                <a:spcPct val="0"/>
-              </a:spcBef>
-              <a:spcAft>
-                <a:spcPct val="0"/>
-              </a:spcAft>
-              <a:buClr>
-                <a:srgbClr val="000000"/>
-              </a:buClr>
-              <a:buSzPct val="100000"/>
-              <a:buFont typeface="Calibri" pitchFamily="34" charset="0"/>
-              <a:tabLst>
-                <a:tab pos="0" algn="l"/>
-                <a:tab pos="914400" algn="l"/>
-                <a:tab pos="1828800" algn="l"/>
-                <a:tab pos="2743200" algn="l"/>
-                <a:tab pos="3657600" algn="l"/>
-                <a:tab pos="4572000" algn="l"/>
-                <a:tab pos="5486400" algn="l"/>
-                <a:tab pos="6400800" algn="l"/>
-                <a:tab pos="7315200" algn="l"/>
-                <a:tab pos="8229600" algn="l"/>
-                <a:tab pos="9144000" algn="l"/>
-                <a:tab pos="10058400" algn="l"/>
-              </a:tabLst>
-              <a:defRPr sz="2400">
-                <a:solidFill>
-                  <a:schemeClr val="bg1"/>
-                </a:solidFill>
-                <a:latin typeface="Calibri" pitchFamily="34" charset="0"/>
-                <a:ea typeface="MS PGothic" pitchFamily="34" charset="-128"/>
-              </a:defRPr>
-            </a:lvl8pPr>
-            <a:lvl9pPr marL="3886200" indent="-228600" defTabSz="457200" eaLnBrk="0" fontAlgn="base" hangingPunct="0">
-              <a:lnSpc>
-                <a:spcPct val="102000"/>
-              </a:lnSpc>
-              <a:spcBef>
-                <a:spcPct val="0"/>
-              </a:spcBef>
-              <a:spcAft>
-                <a:spcPct val="0"/>
-              </a:spcAft>
-              <a:buClr>
-                <a:srgbClr val="000000"/>
-              </a:buClr>
-              <a:buSzPct val="100000"/>
-              <a:buFont typeface="Calibri" pitchFamily="34" charset="0"/>
-              <a:tabLst>
-                <a:tab pos="0" algn="l"/>
-                <a:tab pos="914400" algn="l"/>
-                <a:tab pos="1828800" algn="l"/>
-                <a:tab pos="2743200" algn="l"/>
-                <a:tab pos="3657600" algn="l"/>
-                <a:tab pos="4572000" algn="l"/>
-                <a:tab pos="5486400" algn="l"/>
-                <a:tab pos="6400800" algn="l"/>
-                <a:tab pos="7315200" algn="l"/>
-                <a:tab pos="8229600" algn="l"/>
-                <a:tab pos="9144000" algn="l"/>
-                <a:tab pos="10058400" algn="l"/>
-              </a:tabLst>
-              <a:defRPr sz="2400">
-                <a:solidFill>
-                  <a:schemeClr val="bg1"/>
-                </a:solidFill>
-                <a:latin typeface="Calibri" pitchFamily="34" charset="0"/>
-                <a:ea typeface="MS PGothic" pitchFamily="34" charset="-128"/>
-              </a:defRPr>
-            </a:lvl9pPr>
-          </a:lstStyle>
-          <a:p>
-            <a:pPr algn="ctr" eaLnBrk="1" hangingPunct="1">
-              <a:lnSpc>
-                <a:spcPct val="100000"/>
-              </a:lnSpc>
-              <a:buClr>
-                <a:srgbClr val="00B0F0"/>
-              </a:buClr>
-              <a:buFont typeface="SapientSansMedium" charset="0"/>
-              <a:buNone/>
-            </a:pPr>
-            <a:r>
-              <a:rPr lang="en-GB" sz="1400" dirty="0" smtClean="0">
-                <a:solidFill>
-                  <a:schemeClr val="tx1"/>
-                </a:solidFill>
-                <a:latin typeface="SapientSansMedium" charset="0"/>
-              </a:rPr>
-              <a:t>Call: +91 99455 55997, Email: anil@smartpools.com.my</a:t>
-            </a:r>
-            <a:endParaRPr lang="en-GB" sz="1400" dirty="0">
-              <a:solidFill>
-                <a:schemeClr val="tx1"/>
-              </a:solidFill>
-              <a:latin typeface="SapientSansMedium" charset="0"/>
-            </a:endParaRPr>
-          </a:p>
-        </p:txBody>
-      </p:sp>
     </p:spTree>
     <p:extLst>
       <p:ext uri="{BB962C8B-B14F-4D97-AF65-F5344CB8AC3E}">
-        <p14:creationId xmlns:p14="http://schemas.microsoft.com/office/powerpoint/2010/main" xmlns="" val="1585986591"/>
+        <p14:creationId xmlns:p14="http://schemas.microsoft.com/office/powerpoint/2010/main" val="1585986591"/>
       </p:ext>
     </p:extLst>
   </p:cSld>
